--- a/src/JavaScript.pptx
+++ b/src/JavaScript.pptx
@@ -5,7 +5,7 @@
     <p:sldMasterId id="2147483660" r:id="rId1"/>
   </p:sldMasterIdLst>
   <p:notesMasterIdLst>
-    <p:notesMasterId r:id="rId7"/>
+    <p:notesMasterId r:id="rId8"/>
   </p:notesMasterIdLst>
   <p:sldIdLst>
     <p:sldId id="256" r:id="rId2"/>
@@ -13,6 +13,7 @@
     <p:sldId id="258" r:id="rId4"/>
     <p:sldId id="259" r:id="rId5"/>
     <p:sldId id="260" r:id="rId6"/>
+    <p:sldId id="261" r:id="rId7"/>
   </p:sldIdLst>
   <p:sldSz cx="12192000" cy="6858000"/>
   <p:notesSz cx="6858000" cy="9144000"/>
@@ -128,9 +129,13 @@
         <p14:section name="2.1 JavaScript Text" id="{389C6BD9-F10C-463D-8A15-07148EC26017}">
           <p14:sldIdLst>
             <p14:sldId id="260"/>
+            <p14:sldId id="261"/>
           </p14:sldIdLst>
         </p14:section>
       </p14:sectionLst>
+    </p:ext>
+    <p:ext uri="{EFAFB233-063F-42B5-8137-9DF3F51BA10A}">
+      <p15:sldGuideLst xmlns:p15="http://schemas.microsoft.com/office/powerpoint/2012/main"/>
     </p:ext>
   </p:extLst>
 </p:presentation>
@@ -919,15 +924,15 @@
 </file>
 
 <file path=ppt/diagrams/colors2.xml><?xml version="1.0" encoding="utf-8"?>
-<dgm:colorsDef xmlns:dgm="http://schemas.openxmlformats.org/drawingml/2006/diagram" xmlns:a="http://schemas.openxmlformats.org/drawingml/2006/main" uniqueId="urn:microsoft.com/office/officeart/2005/8/colors/colorful5">
+<dgm:colorsDef xmlns:dgm="http://schemas.openxmlformats.org/drawingml/2006/diagram" xmlns:a="http://schemas.openxmlformats.org/drawingml/2006/main" uniqueId="urn:microsoft.com/office/officeart/2005/8/colors/accent2_2">
   <dgm:title val=""/>
   <dgm:desc val=""/>
   <dgm:catLst>
-    <dgm:cat type="colorful" pri="10500"/>
+    <dgm:cat type="accent2" pri="11200"/>
   </dgm:catLst>
   <dgm:styleLbl name="node0">
     <dgm:fillClrLst meth="repeat">
-      <a:schemeClr val="accent4"/>
+      <a:schemeClr val="accent2"/>
     </dgm:fillClrLst>
     <dgm:linClrLst meth="repeat">
       <a:schemeClr val="lt1"/>
@@ -938,9 +943,8 @@
     <dgm:txEffectClrLst/>
   </dgm:styleLbl>
   <dgm:styleLbl name="node1">
-    <dgm:fillClrLst>
-      <a:schemeClr val="accent5"/>
-      <a:schemeClr val="accent6"/>
+    <dgm:fillClrLst meth="repeat">
+      <a:schemeClr val="accent2"/>
     </dgm:fillClrLst>
     <dgm:linClrLst meth="repeat">
       <a:schemeClr val="lt1"/>
@@ -951,13 +955,11 @@
     <dgm:txEffectClrLst/>
   </dgm:styleLbl>
   <dgm:styleLbl name="alignNode1">
-    <dgm:fillClrLst>
-      <a:schemeClr val="accent5"/>
-      <a:schemeClr val="accent6"/>
+    <dgm:fillClrLst meth="repeat">
+      <a:schemeClr val="accent2"/>
     </dgm:fillClrLst>
-    <dgm:linClrLst>
-      <a:schemeClr val="accent5"/>
-      <a:schemeClr val="accent6"/>
+    <dgm:linClrLst meth="repeat">
+      <a:schemeClr val="accent2"/>
     </dgm:linClrLst>
     <dgm:effectClrLst/>
     <dgm:txLinClrLst/>
@@ -965,9 +967,8 @@
     <dgm:txEffectClrLst/>
   </dgm:styleLbl>
   <dgm:styleLbl name="lnNode1">
-    <dgm:fillClrLst>
-      <a:schemeClr val="accent5"/>
-      <a:schemeClr val="accent6"/>
+    <dgm:fillClrLst meth="repeat">
+      <a:schemeClr val="accent2"/>
     </dgm:fillClrLst>
     <dgm:linClrLst meth="repeat">
       <a:schemeClr val="lt1"/>
@@ -978,11 +979,8 @@
     <dgm:txEffectClrLst/>
   </dgm:styleLbl>
   <dgm:styleLbl name="vennNode1">
-    <dgm:fillClrLst>
-      <a:schemeClr val="accent5">
-        <a:alpha val="50000"/>
-      </a:schemeClr>
-      <a:schemeClr val="accent6">
+    <dgm:fillClrLst meth="repeat">
+      <a:schemeClr val="accent2">
         <a:alpha val="50000"/>
       </a:schemeClr>
     </dgm:fillClrLst>
@@ -995,31 +993,7 @@
     <dgm:txEffectClrLst/>
   </dgm:styleLbl>
   <dgm:styleLbl name="node2">
-    <dgm:fillClrLst>
-      <a:schemeClr val="accent6"/>
-    </dgm:fillClrLst>
-    <dgm:linClrLst meth="repeat">
-      <a:schemeClr val="lt1"/>
-    </dgm:linClrLst>
-    <dgm:effectClrLst/>
-    <dgm:txLinClrLst/>
-    <dgm:txFillClrLst/>
-    <dgm:txEffectClrLst/>
-  </dgm:styleLbl>
-  <dgm:styleLbl name="node3">
-    <dgm:fillClrLst>
-      <a:schemeClr val="accent1"/>
-    </dgm:fillClrLst>
-    <dgm:linClrLst meth="repeat">
-      <a:schemeClr val="lt1"/>
-    </dgm:linClrLst>
-    <dgm:effectClrLst/>
-    <dgm:txLinClrLst/>
-    <dgm:txFillClrLst/>
-    <dgm:txEffectClrLst/>
-  </dgm:styleLbl>
-  <dgm:styleLbl name="node4">
-    <dgm:fillClrLst>
+    <dgm:fillClrLst meth="repeat">
       <a:schemeClr val="accent2"/>
     </dgm:fillClrLst>
     <dgm:linClrLst meth="repeat">
@@ -1030,12 +1004,33 @@
     <dgm:txFillClrLst/>
     <dgm:txEffectClrLst/>
   </dgm:styleLbl>
+  <dgm:styleLbl name="node3">
+    <dgm:fillClrLst meth="repeat">
+      <a:schemeClr val="accent2"/>
+    </dgm:fillClrLst>
+    <dgm:linClrLst meth="repeat">
+      <a:schemeClr val="lt1"/>
+    </dgm:linClrLst>
+    <dgm:effectClrLst/>
+    <dgm:txLinClrLst/>
+    <dgm:txFillClrLst/>
+    <dgm:txEffectClrLst/>
+  </dgm:styleLbl>
+  <dgm:styleLbl name="node4">
+    <dgm:fillClrLst meth="repeat">
+      <a:schemeClr val="accent2"/>
+    </dgm:fillClrLst>
+    <dgm:linClrLst meth="repeat">
+      <a:schemeClr val="lt1"/>
+    </dgm:linClrLst>
+    <dgm:effectClrLst/>
+    <dgm:txLinClrLst/>
+    <dgm:txFillClrLst/>
+    <dgm:txEffectClrLst/>
+  </dgm:styleLbl>
   <dgm:styleLbl name="fgImgPlace1">
-    <dgm:fillClrLst>
-      <a:schemeClr val="accent5">
-        <a:tint val="50000"/>
-      </a:schemeClr>
-      <a:schemeClr val="accent6">
+    <dgm:fillClrLst meth="repeat">
+      <a:schemeClr val="accent2">
         <a:tint val="50000"/>
       </a:schemeClr>
     </dgm:fillClrLst>
@@ -1050,12 +1045,9 @@
     <dgm:txEffectClrLst/>
   </dgm:styleLbl>
   <dgm:styleLbl name="alignImgPlace1">
-    <dgm:fillClrLst>
-      <a:schemeClr val="accent5">
+    <dgm:fillClrLst meth="repeat">
+      <a:schemeClr val="accent2">
         <a:tint val="50000"/>
-      </a:schemeClr>
-      <a:schemeClr val="accent6">
-        <a:tint val="20000"/>
       </a:schemeClr>
     </dgm:fillClrLst>
     <dgm:linClrLst meth="repeat">
@@ -1069,12 +1061,9 @@
     <dgm:txEffectClrLst/>
   </dgm:styleLbl>
   <dgm:styleLbl name="bgImgPlace1">
-    <dgm:fillClrLst>
-      <a:schemeClr val="accent5">
+    <dgm:fillClrLst meth="repeat">
+      <a:schemeClr val="accent2">
         <a:tint val="50000"/>
-      </a:schemeClr>
-      <a:schemeClr val="accent6">
-        <a:tint val="20000"/>
       </a:schemeClr>
     </dgm:fillClrLst>
     <dgm:linClrLst meth="repeat">
@@ -1088,84 +1077,14 @@
     <dgm:txEffectClrLst/>
   </dgm:styleLbl>
   <dgm:styleLbl name="sibTrans2D1">
-    <dgm:fillClrLst>
-      <a:schemeClr val="accent5"/>
-      <a:schemeClr val="accent6"/>
+    <dgm:fillClrLst meth="repeat">
+      <a:schemeClr val="accent2">
+        <a:tint val="60000"/>
+      </a:schemeClr>
     </dgm:fillClrLst>
     <dgm:linClrLst meth="repeat">
-      <a:schemeClr val="lt1"/>
-    </dgm:linClrLst>
-    <dgm:effectClrLst/>
-    <dgm:txLinClrLst/>
-    <dgm:txFillClrLst/>
-    <dgm:txEffectClrLst/>
-  </dgm:styleLbl>
-  <dgm:styleLbl name="fgSibTrans2D1">
-    <dgm:fillClrLst>
-      <a:schemeClr val="accent5"/>
-      <a:schemeClr val="accent6"/>
-    </dgm:fillClrLst>
-    <dgm:linClrLst meth="repeat">
-      <a:schemeClr val="lt1"/>
-    </dgm:linClrLst>
-    <dgm:effectClrLst/>
-    <dgm:txLinClrLst/>
-    <dgm:txFillClrLst meth="repeat">
-      <a:schemeClr val="lt1"/>
-    </dgm:txFillClrLst>
-    <dgm:txEffectClrLst/>
-  </dgm:styleLbl>
-  <dgm:styleLbl name="bgSibTrans2D1">
-    <dgm:fillClrLst>
-      <a:schemeClr val="accent5"/>
-      <a:schemeClr val="accent6"/>
-    </dgm:fillClrLst>
-    <dgm:linClrLst meth="repeat">
-      <a:schemeClr val="lt1"/>
-    </dgm:linClrLst>
-    <dgm:effectClrLst/>
-    <dgm:txLinClrLst/>
-    <dgm:txFillClrLst meth="repeat">
-      <a:schemeClr val="lt1"/>
-    </dgm:txFillClrLst>
-    <dgm:txEffectClrLst/>
-  </dgm:styleLbl>
-  <dgm:styleLbl name="sibTrans1D1">
-    <dgm:fillClrLst/>
-    <dgm:linClrLst>
-      <a:schemeClr val="accent5"/>
-      <a:schemeClr val="accent6"/>
-    </dgm:linClrLst>
-    <dgm:effectClrLst/>
-    <dgm:txLinClrLst/>
-    <dgm:txFillClrLst meth="repeat">
-      <a:schemeClr val="tx1"/>
-    </dgm:txFillClrLst>
-    <dgm:txEffectClrLst/>
-  </dgm:styleLbl>
-  <dgm:styleLbl name="callout">
-    <dgm:fillClrLst meth="repeat">
-      <a:schemeClr val="accent5"/>
-    </dgm:fillClrLst>
-    <dgm:linClrLst meth="repeat">
-      <a:schemeClr val="accent5">
-        <a:tint val="50000"/>
-      </a:schemeClr>
-    </dgm:linClrLst>
-    <dgm:effectClrLst/>
-    <dgm:txLinClrLst/>
-    <dgm:txFillClrLst meth="repeat">
-      <a:schemeClr val="tx1"/>
-    </dgm:txFillClrLst>
-    <dgm:txEffectClrLst/>
-  </dgm:styleLbl>
-  <dgm:styleLbl name="asst0">
-    <dgm:fillClrLst meth="repeat">
-      <a:schemeClr val="accent5"/>
-    </dgm:fillClrLst>
-    <dgm:linClrLst meth="repeat">
-      <a:schemeClr val="lt1">
-        <a:shade val="80000"/>
+      <a:schemeClr val="accent2">
+        <a:tint val="60000"/>
       </a:schemeClr>
     </dgm:linClrLst>
     <dgm:effectClrLst/>
@@ -1173,13 +1092,15 @@
     <dgm:txFillClrLst/>
     <dgm:txEffectClrLst/>
   </dgm:styleLbl>
-  <dgm:styleLbl name="asst1">
+  <dgm:styleLbl name="fgSibTrans2D1">
     <dgm:fillClrLst meth="repeat">
-      <a:schemeClr val="accent6"/>
+      <a:schemeClr val="accent2">
+        <a:tint val="60000"/>
+      </a:schemeClr>
     </dgm:fillClrLst>
     <dgm:linClrLst meth="repeat">
-      <a:schemeClr val="lt1">
-        <a:shade val="80000"/>
+      <a:schemeClr val="accent2">
+        <a:tint val="60000"/>
       </a:schemeClr>
     </dgm:linClrLst>
     <dgm:effectClrLst/>
@@ -1187,145 +1108,25 @@
     <dgm:txFillClrLst/>
     <dgm:txEffectClrLst/>
   </dgm:styleLbl>
-  <dgm:styleLbl name="asst2">
-    <dgm:fillClrLst>
-      <a:schemeClr val="accent1"/>
+  <dgm:styleLbl name="bgSibTrans2D1">
+    <dgm:fillClrLst meth="repeat">
+      <a:schemeClr val="accent2">
+        <a:tint val="60000"/>
+      </a:schemeClr>
     </dgm:fillClrLst>
     <dgm:linClrLst meth="repeat">
-      <a:schemeClr val="lt1"/>
+      <a:schemeClr val="accent2">
+        <a:tint val="60000"/>
+      </a:schemeClr>
     </dgm:linClrLst>
     <dgm:effectClrLst/>
     <dgm:txLinClrLst/>
     <dgm:txFillClrLst/>
     <dgm:txEffectClrLst/>
   </dgm:styleLbl>
-  <dgm:styleLbl name="asst3">
-    <dgm:fillClrLst>
+  <dgm:styleLbl name="sibTrans1D1">
+    <dgm:fillClrLst meth="repeat">
       <a:schemeClr val="accent2"/>
-    </dgm:fillClrLst>
-    <dgm:linClrLst meth="repeat">
-      <a:schemeClr val="lt1"/>
-    </dgm:linClrLst>
-    <dgm:effectClrLst/>
-    <dgm:txLinClrLst/>
-    <dgm:txFillClrLst/>
-    <dgm:txEffectClrLst/>
-  </dgm:styleLbl>
-  <dgm:styleLbl name="asst4">
-    <dgm:fillClrLst>
-      <a:schemeClr val="accent3"/>
-    </dgm:fillClrLst>
-    <dgm:linClrLst meth="repeat">
-      <a:schemeClr val="lt1"/>
-    </dgm:linClrLst>
-    <dgm:effectClrLst/>
-    <dgm:txLinClrLst/>
-    <dgm:txFillClrLst/>
-    <dgm:txEffectClrLst/>
-  </dgm:styleLbl>
-  <dgm:styleLbl name="parChTrans2D1">
-    <dgm:fillClrLst meth="repeat">
-      <a:schemeClr val="accent5"/>
-    </dgm:fillClrLst>
-    <dgm:linClrLst meth="repeat">
-      <a:schemeClr val="lt1"/>
-    </dgm:linClrLst>
-    <dgm:effectClrLst/>
-    <dgm:txLinClrLst/>
-    <dgm:txFillClrLst meth="repeat">
-      <a:schemeClr val="lt1"/>
-    </dgm:txFillClrLst>
-    <dgm:txEffectClrLst/>
-  </dgm:styleLbl>
-  <dgm:styleLbl name="parChTrans2D2">
-    <dgm:fillClrLst meth="repeat">
-      <a:schemeClr val="accent6"/>
-    </dgm:fillClrLst>
-    <dgm:linClrLst meth="repeat">
-      <a:schemeClr val="lt1"/>
-    </dgm:linClrLst>
-    <dgm:effectClrLst/>
-    <dgm:txLinClrLst/>
-    <dgm:txFillClrLst/>
-    <dgm:txEffectClrLst/>
-  </dgm:styleLbl>
-  <dgm:styleLbl name="parChTrans2D3">
-    <dgm:fillClrLst meth="repeat">
-      <a:schemeClr val="accent6"/>
-    </dgm:fillClrLst>
-    <dgm:linClrLst meth="repeat">
-      <a:schemeClr val="lt1"/>
-    </dgm:linClrLst>
-    <dgm:effectClrLst/>
-    <dgm:txLinClrLst/>
-    <dgm:txFillClrLst/>
-    <dgm:txEffectClrLst/>
-  </dgm:styleLbl>
-  <dgm:styleLbl name="parChTrans2D4">
-    <dgm:fillClrLst meth="repeat">
-      <a:schemeClr val="accent1"/>
-    </dgm:fillClrLst>
-    <dgm:linClrLst meth="repeat">
-      <a:schemeClr val="lt1"/>
-    </dgm:linClrLst>
-    <dgm:effectClrLst/>
-    <dgm:txLinClrLst/>
-    <dgm:txFillClrLst meth="repeat">
-      <a:schemeClr val="lt1"/>
-    </dgm:txFillClrLst>
-    <dgm:txEffectClrLst/>
-  </dgm:styleLbl>
-  <dgm:styleLbl name="parChTrans1D1">
-    <dgm:fillClrLst meth="repeat">
-      <a:schemeClr val="accent5"/>
-    </dgm:fillClrLst>
-    <dgm:linClrLst meth="repeat">
-      <a:schemeClr val="accent5"/>
-    </dgm:linClrLst>
-    <dgm:effectClrLst/>
-    <dgm:txLinClrLst/>
-    <dgm:txFillClrLst meth="repeat">
-      <a:schemeClr val="tx1"/>
-    </dgm:txFillClrLst>
-    <dgm:txEffectClrLst/>
-  </dgm:styleLbl>
-  <dgm:styleLbl name="parChTrans1D2">
-    <dgm:fillClrLst meth="repeat">
-      <a:schemeClr val="accent6">
-        <a:tint val="90000"/>
-      </a:schemeClr>
-    </dgm:fillClrLst>
-    <dgm:linClrLst meth="repeat">
-      <a:schemeClr val="accent6"/>
-    </dgm:linClrLst>
-    <dgm:effectClrLst/>
-    <dgm:txLinClrLst/>
-    <dgm:txFillClrLst meth="repeat">
-      <a:schemeClr val="tx1"/>
-    </dgm:txFillClrLst>
-    <dgm:txEffectClrLst/>
-  </dgm:styleLbl>
-  <dgm:styleLbl name="parChTrans1D3">
-    <dgm:fillClrLst meth="repeat">
-      <a:schemeClr val="accent6">
-        <a:tint val="70000"/>
-      </a:schemeClr>
-    </dgm:fillClrLst>
-    <dgm:linClrLst meth="repeat">
-      <a:schemeClr val="accent1"/>
-    </dgm:linClrLst>
-    <dgm:effectClrLst/>
-    <dgm:txLinClrLst/>
-    <dgm:txFillClrLst meth="repeat">
-      <a:schemeClr val="tx1"/>
-    </dgm:txFillClrLst>
-    <dgm:txEffectClrLst/>
-  </dgm:styleLbl>
-  <dgm:styleLbl name="parChTrans1D4">
-    <dgm:fillClrLst meth="repeat">
-      <a:schemeClr val="accent6">
-        <a:tint val="50000"/>
-      </a:schemeClr>
     </dgm:fillClrLst>
     <dgm:linClrLst meth="repeat">
       <a:schemeClr val="accent2"/>
@@ -1337,15 +1138,214 @@
     </dgm:txFillClrLst>
     <dgm:txEffectClrLst/>
   </dgm:styleLbl>
+  <dgm:styleLbl name="callout">
+    <dgm:fillClrLst meth="repeat">
+      <a:schemeClr val="accent2"/>
+    </dgm:fillClrLst>
+    <dgm:linClrLst meth="repeat">
+      <a:schemeClr val="accent2">
+        <a:tint val="50000"/>
+      </a:schemeClr>
+    </dgm:linClrLst>
+    <dgm:effectClrLst/>
+    <dgm:txLinClrLst/>
+    <dgm:txFillClrLst meth="repeat">
+      <a:schemeClr val="tx1"/>
+    </dgm:txFillClrLst>
+    <dgm:txEffectClrLst/>
+  </dgm:styleLbl>
+  <dgm:styleLbl name="asst0">
+    <dgm:fillClrLst meth="repeat">
+      <a:schemeClr val="accent2"/>
+    </dgm:fillClrLst>
+    <dgm:linClrLst meth="repeat">
+      <a:schemeClr val="lt1"/>
+    </dgm:linClrLst>
+    <dgm:effectClrLst/>
+    <dgm:txLinClrLst/>
+    <dgm:txFillClrLst/>
+    <dgm:txEffectClrLst/>
+  </dgm:styleLbl>
+  <dgm:styleLbl name="asst1">
+    <dgm:fillClrLst meth="repeat">
+      <a:schemeClr val="accent2"/>
+    </dgm:fillClrLst>
+    <dgm:linClrLst meth="repeat">
+      <a:schemeClr val="lt1"/>
+    </dgm:linClrLst>
+    <dgm:effectClrLst/>
+    <dgm:txLinClrLst/>
+    <dgm:txFillClrLst/>
+    <dgm:txEffectClrLst/>
+  </dgm:styleLbl>
+  <dgm:styleLbl name="asst2">
+    <dgm:fillClrLst meth="repeat">
+      <a:schemeClr val="accent2"/>
+    </dgm:fillClrLst>
+    <dgm:linClrLst meth="repeat">
+      <a:schemeClr val="lt1"/>
+    </dgm:linClrLst>
+    <dgm:effectClrLst/>
+    <dgm:txLinClrLst/>
+    <dgm:txFillClrLst/>
+    <dgm:txEffectClrLst/>
+  </dgm:styleLbl>
+  <dgm:styleLbl name="asst3">
+    <dgm:fillClrLst meth="repeat">
+      <a:schemeClr val="accent2"/>
+    </dgm:fillClrLst>
+    <dgm:linClrLst meth="repeat">
+      <a:schemeClr val="lt1"/>
+    </dgm:linClrLst>
+    <dgm:effectClrLst/>
+    <dgm:txLinClrLst/>
+    <dgm:txFillClrLst/>
+    <dgm:txEffectClrLst/>
+  </dgm:styleLbl>
+  <dgm:styleLbl name="asst4">
+    <dgm:fillClrLst meth="repeat">
+      <a:schemeClr val="accent2"/>
+    </dgm:fillClrLst>
+    <dgm:linClrLst meth="repeat">
+      <a:schemeClr val="lt1"/>
+    </dgm:linClrLst>
+    <dgm:effectClrLst/>
+    <dgm:txLinClrLst/>
+    <dgm:txFillClrLst/>
+    <dgm:txEffectClrLst/>
+  </dgm:styleLbl>
+  <dgm:styleLbl name="parChTrans2D1">
+    <dgm:fillClrLst meth="repeat">
+      <a:schemeClr val="accent2">
+        <a:tint val="60000"/>
+      </a:schemeClr>
+    </dgm:fillClrLst>
+    <dgm:linClrLst meth="repeat">
+      <a:schemeClr val="accent2">
+        <a:tint val="60000"/>
+      </a:schemeClr>
+    </dgm:linClrLst>
+    <dgm:effectClrLst/>
+    <dgm:txLinClrLst/>
+    <dgm:txFillClrLst meth="repeat">
+      <a:schemeClr val="lt1"/>
+    </dgm:txFillClrLst>
+    <dgm:txEffectClrLst/>
+  </dgm:styleLbl>
+  <dgm:styleLbl name="parChTrans2D2">
+    <dgm:fillClrLst meth="repeat">
+      <a:schemeClr val="accent2"/>
+    </dgm:fillClrLst>
+    <dgm:linClrLst meth="repeat">
+      <a:schemeClr val="accent2"/>
+    </dgm:linClrLst>
+    <dgm:effectClrLst/>
+    <dgm:txLinClrLst/>
+    <dgm:txFillClrLst meth="repeat">
+      <a:schemeClr val="lt1"/>
+    </dgm:txFillClrLst>
+    <dgm:txEffectClrLst/>
+  </dgm:styleLbl>
+  <dgm:styleLbl name="parChTrans2D3">
+    <dgm:fillClrLst meth="repeat">
+      <a:schemeClr val="accent2"/>
+    </dgm:fillClrLst>
+    <dgm:linClrLst meth="repeat">
+      <a:schemeClr val="accent2"/>
+    </dgm:linClrLst>
+    <dgm:effectClrLst/>
+    <dgm:txLinClrLst/>
+    <dgm:txFillClrLst meth="repeat">
+      <a:schemeClr val="lt1"/>
+    </dgm:txFillClrLst>
+    <dgm:txEffectClrLst/>
+  </dgm:styleLbl>
+  <dgm:styleLbl name="parChTrans2D4">
+    <dgm:fillClrLst meth="repeat">
+      <a:schemeClr val="accent2"/>
+    </dgm:fillClrLst>
+    <dgm:linClrLst meth="repeat">
+      <a:schemeClr val="accent2"/>
+    </dgm:linClrLst>
+    <dgm:effectClrLst/>
+    <dgm:txLinClrLst/>
+    <dgm:txFillClrLst meth="repeat">
+      <a:schemeClr val="lt1"/>
+    </dgm:txFillClrLst>
+    <dgm:txEffectClrLst/>
+  </dgm:styleLbl>
+  <dgm:styleLbl name="parChTrans1D1">
+    <dgm:fillClrLst meth="repeat">
+      <a:schemeClr val="accent2"/>
+    </dgm:fillClrLst>
+    <dgm:linClrLst meth="repeat">
+      <a:schemeClr val="accent2">
+        <a:shade val="60000"/>
+      </a:schemeClr>
+    </dgm:linClrLst>
+    <dgm:effectClrLst/>
+    <dgm:txLinClrLst/>
+    <dgm:txFillClrLst meth="repeat">
+      <a:schemeClr val="tx1"/>
+    </dgm:txFillClrLst>
+    <dgm:txEffectClrLst/>
+  </dgm:styleLbl>
+  <dgm:styleLbl name="parChTrans1D2">
+    <dgm:fillClrLst meth="repeat">
+      <a:schemeClr val="accent2"/>
+    </dgm:fillClrLst>
+    <dgm:linClrLst meth="repeat">
+      <a:schemeClr val="accent2">
+        <a:shade val="60000"/>
+      </a:schemeClr>
+    </dgm:linClrLst>
+    <dgm:effectClrLst/>
+    <dgm:txLinClrLst/>
+    <dgm:txFillClrLst meth="repeat">
+      <a:schemeClr val="tx1"/>
+    </dgm:txFillClrLst>
+    <dgm:txEffectClrLst/>
+  </dgm:styleLbl>
+  <dgm:styleLbl name="parChTrans1D3">
+    <dgm:fillClrLst meth="repeat">
+      <a:schemeClr val="accent2"/>
+    </dgm:fillClrLst>
+    <dgm:linClrLst meth="repeat">
+      <a:schemeClr val="accent2">
+        <a:shade val="80000"/>
+      </a:schemeClr>
+    </dgm:linClrLst>
+    <dgm:effectClrLst/>
+    <dgm:txLinClrLst/>
+    <dgm:txFillClrLst meth="repeat">
+      <a:schemeClr val="tx1"/>
+    </dgm:txFillClrLst>
+    <dgm:txEffectClrLst/>
+  </dgm:styleLbl>
+  <dgm:styleLbl name="parChTrans1D4">
+    <dgm:fillClrLst meth="repeat">
+      <a:schemeClr val="accent2"/>
+    </dgm:fillClrLst>
+    <dgm:linClrLst meth="repeat">
+      <a:schemeClr val="accent2">
+        <a:shade val="80000"/>
+      </a:schemeClr>
+    </dgm:linClrLst>
+    <dgm:effectClrLst/>
+    <dgm:txLinClrLst/>
+    <dgm:txFillClrLst meth="repeat">
+      <a:schemeClr val="tx1"/>
+    </dgm:txFillClrLst>
+    <dgm:txEffectClrLst/>
+  </dgm:styleLbl>
   <dgm:styleLbl name="fgAcc1">
     <dgm:fillClrLst meth="repeat">
       <a:schemeClr val="lt1">
         <a:alpha val="90000"/>
       </a:schemeClr>
     </dgm:fillClrLst>
-    <dgm:linClrLst>
-      <a:schemeClr val="accent5"/>
-      <a:schemeClr val="accent6"/>
+    <dgm:linClrLst meth="repeat">
+      <a:schemeClr val="accent2"/>
     </dgm:linClrLst>
     <dgm:effectClrLst/>
     <dgm:txLinClrLst/>
@@ -1360,9 +1360,8 @@
         <a:alpha val="90000"/>
       </a:schemeClr>
     </dgm:fillClrLst>
-    <dgm:linClrLst>
-      <a:schemeClr val="accent5"/>
-      <a:schemeClr val="accent6"/>
+    <dgm:linClrLst meth="repeat">
+      <a:schemeClr val="accent2"/>
     </dgm:linClrLst>
     <dgm:effectClrLst/>
     <dgm:txLinClrLst/>
@@ -1377,9 +1376,8 @@
         <a:alpha val="90000"/>
       </a:schemeClr>
     </dgm:fillClrLst>
-    <dgm:linClrLst>
-      <a:schemeClr val="accent5"/>
-      <a:schemeClr val="accent6"/>
+    <dgm:linClrLst meth="repeat">
+      <a:schemeClr val="accent2"/>
     </dgm:linClrLst>
     <dgm:effectClrLst/>
     <dgm:txLinClrLst/>
@@ -1395,7 +1393,7 @@
       </a:schemeClr>
     </dgm:fillClrLst>
     <dgm:linClrLst meth="repeat">
-      <a:schemeClr val="accent5"/>
+      <a:schemeClr val="accent2"/>
     </dgm:linClrLst>
     <dgm:effectClrLst/>
     <dgm:txLinClrLst/>
@@ -1410,9 +1408,8 @@
         <a:alpha val="90000"/>
       </a:schemeClr>
     </dgm:fillClrLst>
-    <dgm:linClrLst>
-      <a:schemeClr val="accent5"/>
-      <a:schemeClr val="accent6"/>
+    <dgm:linClrLst meth="repeat">
+      <a:schemeClr val="accent2"/>
     </dgm:linClrLst>
     <dgm:effectClrLst/>
     <dgm:txLinClrLst/>
@@ -1425,9 +1422,8 @@
     <dgm:fillClrLst meth="repeat">
       <a:schemeClr val="lt1"/>
     </dgm:fillClrLst>
-    <dgm:linClrLst>
-      <a:schemeClr val="accent5"/>
-      <a:schemeClr val="accent6"/>
+    <dgm:linClrLst meth="repeat">
+      <a:schemeClr val="accent2"/>
     </dgm:linClrLst>
     <dgm:effectClrLst/>
     <dgm:txLinClrLst/>
@@ -1440,9 +1436,8 @@
     <dgm:fillClrLst meth="repeat">
       <a:schemeClr val="lt1"/>
     </dgm:fillClrLst>
-    <dgm:linClrLst>
-      <a:schemeClr val="accent5"/>
-      <a:schemeClr val="accent6"/>
+    <dgm:linClrLst meth="repeat">
+      <a:schemeClr val="accent2"/>
     </dgm:linClrLst>
     <dgm:effectClrLst/>
     <dgm:txLinClrLst/>
@@ -1455,9 +1450,8 @@
     <dgm:fillClrLst meth="repeat">
       <a:schemeClr val="lt1"/>
     </dgm:fillClrLst>
-    <dgm:linClrLst>
-      <a:schemeClr val="accent5"/>
-      <a:schemeClr val="accent6"/>
+    <dgm:linClrLst meth="repeat">
+      <a:schemeClr val="accent2"/>
     </dgm:linClrLst>
     <dgm:effectClrLst/>
     <dgm:txLinClrLst/>
@@ -1467,24 +1461,16 @@
     <dgm:txEffectClrLst/>
   </dgm:styleLbl>
   <dgm:styleLbl name="fgAccFollowNode1">
-    <dgm:fillClrLst>
-      <a:schemeClr val="accent5">
+    <dgm:fillClrLst meth="repeat">
+      <a:schemeClr val="accent2">
+        <a:alpha val="90000"/>
         <a:tint val="40000"/>
-        <a:alpha val="90000"/>
-      </a:schemeClr>
-      <a:schemeClr val="accent6">
-        <a:tint val="40000"/>
-        <a:alpha val="90000"/>
       </a:schemeClr>
     </dgm:fillClrLst>
-    <dgm:linClrLst>
-      <a:schemeClr val="accent5">
+    <dgm:linClrLst meth="repeat">
+      <a:schemeClr val="accent2">
+        <a:alpha val="90000"/>
         <a:tint val="40000"/>
-        <a:alpha val="90000"/>
-      </a:schemeClr>
-      <a:schemeClr val="accent5">
-        <a:tint val="40000"/>
-        <a:alpha val="90000"/>
       </a:schemeClr>
     </dgm:linClrLst>
     <dgm:effectClrLst/>
@@ -1495,24 +1481,16 @@
     <dgm:txEffectClrLst/>
   </dgm:styleLbl>
   <dgm:styleLbl name="alignAccFollowNode1">
-    <dgm:fillClrLst>
-      <a:schemeClr val="accent5">
+    <dgm:fillClrLst meth="repeat">
+      <a:schemeClr val="accent2">
+        <a:alpha val="90000"/>
         <a:tint val="40000"/>
-        <a:alpha val="90000"/>
-      </a:schemeClr>
-      <a:schemeClr val="accent6">
-        <a:tint val="40000"/>
-        <a:alpha val="90000"/>
       </a:schemeClr>
     </dgm:fillClrLst>
-    <dgm:linClrLst>
-      <a:schemeClr val="accent5">
+    <dgm:linClrLst meth="repeat">
+      <a:schemeClr val="accent2">
+        <a:alpha val="90000"/>
         <a:tint val="40000"/>
-        <a:alpha val="90000"/>
-      </a:schemeClr>
-      <a:schemeClr val="accent6">
-        <a:tint val="40000"/>
-        <a:alpha val="90000"/>
       </a:schemeClr>
     </dgm:linClrLst>
     <dgm:effectClrLst/>
@@ -1523,24 +1501,16 @@
     <dgm:txEffectClrLst/>
   </dgm:styleLbl>
   <dgm:styleLbl name="bgAccFollowNode1">
-    <dgm:fillClrLst>
-      <a:schemeClr val="accent5">
+    <dgm:fillClrLst meth="repeat">
+      <a:schemeClr val="accent2">
+        <a:alpha val="90000"/>
         <a:tint val="40000"/>
-        <a:alpha val="90000"/>
-      </a:schemeClr>
-      <a:schemeClr val="accent6">
-        <a:tint val="40000"/>
-        <a:alpha val="90000"/>
       </a:schemeClr>
     </dgm:fillClrLst>
-    <dgm:linClrLst>
-      <a:schemeClr val="accent5">
+    <dgm:linClrLst meth="repeat">
+      <a:schemeClr val="accent2">
+        <a:alpha val="90000"/>
         <a:tint val="40000"/>
-        <a:alpha val="90000"/>
-      </a:schemeClr>
-      <a:schemeClr val="accent6">
-        <a:tint val="40000"/>
-        <a:alpha val="90000"/>
       </a:schemeClr>
     </dgm:linClrLst>
     <dgm:effectClrLst/>
@@ -1556,55 +1526,7 @@
         <a:alpha val="90000"/>
       </a:schemeClr>
     </dgm:fillClrLst>
-    <dgm:linClrLst>
-      <a:schemeClr val="accent4"/>
-    </dgm:linClrLst>
-    <dgm:effectClrLst/>
-    <dgm:txLinClrLst/>
-    <dgm:txFillClrLst meth="repeat">
-      <a:schemeClr val="dk1"/>
-    </dgm:txFillClrLst>
-    <dgm:txEffectClrLst/>
-  </dgm:styleLbl>
-  <dgm:styleLbl name="fgAcc2">
-    <dgm:fillClrLst meth="repeat">
-      <a:schemeClr val="lt1">
-        <a:alpha val="90000"/>
-      </a:schemeClr>
-    </dgm:fillClrLst>
-    <dgm:linClrLst>
-      <a:schemeClr val="accent6"/>
-    </dgm:linClrLst>
-    <dgm:effectClrLst/>
-    <dgm:txLinClrLst/>
-    <dgm:txFillClrLst meth="repeat">
-      <a:schemeClr val="dk1"/>
-    </dgm:txFillClrLst>
-    <dgm:txEffectClrLst/>
-  </dgm:styleLbl>
-  <dgm:styleLbl name="fgAcc3">
-    <dgm:fillClrLst meth="repeat">
-      <a:schemeClr val="lt1">
-        <a:alpha val="90000"/>
-      </a:schemeClr>
-    </dgm:fillClrLst>
-    <dgm:linClrLst>
-      <a:schemeClr val="accent1"/>
-    </dgm:linClrLst>
-    <dgm:effectClrLst/>
-    <dgm:txLinClrLst/>
-    <dgm:txFillClrLst meth="repeat">
-      <a:schemeClr val="dk1"/>
-    </dgm:txFillClrLst>
-    <dgm:txEffectClrLst/>
-  </dgm:styleLbl>
-  <dgm:styleLbl name="fgAcc4">
-    <dgm:fillClrLst meth="repeat">
-      <a:schemeClr val="lt1">
-        <a:alpha val="90000"/>
-      </a:schemeClr>
-    </dgm:fillClrLst>
-    <dgm:linClrLst>
+    <dgm:linClrLst meth="repeat">
       <a:schemeClr val="accent2"/>
     </dgm:linClrLst>
     <dgm:effectClrLst/>
@@ -1614,14 +1536,14 @@
     </dgm:txFillClrLst>
     <dgm:txEffectClrLst/>
   </dgm:styleLbl>
-  <dgm:styleLbl name="bgShp">
+  <dgm:styleLbl name="fgAcc2">
     <dgm:fillClrLst meth="repeat">
-      <a:schemeClr val="accent5">
-        <a:tint val="40000"/>
+      <a:schemeClr val="lt1">
+        <a:alpha val="90000"/>
       </a:schemeClr>
     </dgm:fillClrLst>
     <dgm:linClrLst meth="repeat">
-      <a:schemeClr val="dk1"/>
+      <a:schemeClr val="accent2"/>
     </dgm:linClrLst>
     <dgm:effectClrLst/>
     <dgm:txLinClrLst/>
@@ -1630,14 +1552,62 @@
     </dgm:txFillClrLst>
     <dgm:txEffectClrLst/>
   </dgm:styleLbl>
-  <dgm:styleLbl name="dkBgShp">
+  <dgm:styleLbl name="fgAcc3">
     <dgm:fillClrLst meth="repeat">
-      <a:schemeClr val="accent5">
-        <a:shade val="90000"/>
+      <a:schemeClr val="lt1">
+        <a:alpha val="90000"/>
       </a:schemeClr>
     </dgm:fillClrLst>
     <dgm:linClrLst meth="repeat">
+      <a:schemeClr val="accent2"/>
+    </dgm:linClrLst>
+    <dgm:effectClrLst/>
+    <dgm:txLinClrLst/>
+    <dgm:txFillClrLst meth="repeat">
       <a:schemeClr val="dk1"/>
+    </dgm:txFillClrLst>
+    <dgm:txEffectClrLst/>
+  </dgm:styleLbl>
+  <dgm:styleLbl name="fgAcc4">
+    <dgm:fillClrLst meth="repeat">
+      <a:schemeClr val="lt1">
+        <a:alpha val="90000"/>
+      </a:schemeClr>
+    </dgm:fillClrLst>
+    <dgm:linClrLst meth="repeat">
+      <a:schemeClr val="accent2"/>
+    </dgm:linClrLst>
+    <dgm:effectClrLst/>
+    <dgm:txLinClrLst/>
+    <dgm:txFillClrLst meth="repeat">
+      <a:schemeClr val="dk1"/>
+    </dgm:txFillClrLst>
+    <dgm:txEffectClrLst/>
+  </dgm:styleLbl>
+  <dgm:styleLbl name="bgShp">
+    <dgm:fillClrLst meth="repeat">
+      <a:schemeClr val="accent2">
+        <a:tint val="40000"/>
+      </a:schemeClr>
+    </dgm:fillClrLst>
+    <dgm:linClrLst meth="repeat">
+      <a:schemeClr val="accent2"/>
+    </dgm:linClrLst>
+    <dgm:effectClrLst/>
+    <dgm:txLinClrLst/>
+    <dgm:txFillClrLst meth="repeat">
+      <a:schemeClr val="dk1"/>
+    </dgm:txFillClrLst>
+    <dgm:txEffectClrLst/>
+  </dgm:styleLbl>
+  <dgm:styleLbl name="dkBgShp">
+    <dgm:fillClrLst meth="repeat">
+      <a:schemeClr val="accent2">
+        <a:shade val="80000"/>
+      </a:schemeClr>
+    </dgm:fillClrLst>
+    <dgm:linClrLst meth="repeat">
+      <a:schemeClr val="accent2"/>
     </dgm:linClrLst>
     <dgm:effectClrLst/>
     <dgm:txLinClrLst/>
@@ -1648,13 +1618,13 @@
   </dgm:styleLbl>
   <dgm:styleLbl name="trBgShp">
     <dgm:fillClrLst meth="repeat">
-      <a:schemeClr val="accent5">
+      <a:schemeClr val="accent2">
         <a:tint val="50000"/>
         <a:alpha val="40000"/>
       </a:schemeClr>
     </dgm:fillClrLst>
     <dgm:linClrLst meth="repeat">
-      <a:schemeClr val="accent5"/>
+      <a:schemeClr val="accent2"/>
     </dgm:linClrLst>
     <dgm:effectClrLst/>
     <dgm:txLinClrLst/>
@@ -1665,8 +1635,8 @@
   </dgm:styleLbl>
   <dgm:styleLbl name="fgShp">
     <dgm:fillClrLst meth="repeat">
-      <a:schemeClr val="accent5">
-        <a:tint val="40000"/>
+      <a:schemeClr val="accent2">
+        <a:tint val="60000"/>
       </a:schemeClr>
     </dgm:fillClrLst>
     <dgm:linClrLst meth="repeat">
@@ -1704,7 +1674,7 @@
 <dgm:dataModel xmlns:dgm="http://schemas.openxmlformats.org/drawingml/2006/diagram" xmlns:a="http://schemas.openxmlformats.org/drawingml/2006/main">
   <dgm:ptLst>
     <dgm:pt modelId="{E2B83D68-F4E3-402A-9855-D5BA329D2721}" type="doc">
-      <dgm:prSet loTypeId="urn:microsoft.com/office/officeart/2005/8/layout/vList2" loCatId="list" qsTypeId="urn:microsoft.com/office/officeart/2005/8/quickstyle/simple1" qsCatId="simple" csTypeId="urn:microsoft.com/office/officeart/2005/8/colors/colorful2" csCatId="colorful"/>
+      <dgm:prSet loTypeId="urn:microsoft.com/office/officeart/2005/8/layout/vList2" loCatId="list" qsTypeId="urn:microsoft.com/office/officeart/2005/8/quickstyle/simple1" qsCatId="simple" csTypeId="urn:microsoft.com/office/officeart/2005/8/colors/colorful2" csCatId="colorful" phldr="1"/>
       <dgm:spPr/>
       <dgm:t>
         <a:bodyPr/>
@@ -1799,8 +1769,9 @@
               <a:solidFill>
                 <a:srgbClr val="FF0000"/>
               </a:solidFill>
+              <a:latin typeface="Consolas" panose="020B0609020204030204" pitchFamily="49" charset="0"/>
             </a:rPr>
-            <a:t>x, color, UP</a:t>
+            <a:t>x color UP</a:t>
           </a:r>
         </a:p>
       </dgm:t>
@@ -1912,8 +1883,9 @@
               <a:solidFill>
                 <a:srgbClr val="FF0000"/>
               </a:solidFill>
+              <a:latin typeface="Consolas" panose="020B0609020204030204" pitchFamily="49" charset="0"/>
             </a:rPr>
-            <a:t>if, while, return </a:t>
+            <a:t>if while return </a:t>
           </a:r>
         </a:p>
       </dgm:t>
@@ -2025,6 +1997,7 @@
               <a:solidFill>
                 <a:srgbClr val="FF0000"/>
               </a:solidFill>
+              <a:latin typeface="Consolas" panose="020B0609020204030204" pitchFamily="49" charset="0"/>
             </a:rPr>
             <a:t>} ( ;</a:t>
           </a:r>
@@ -2138,8 +2111,9 @@
               <a:solidFill>
                 <a:srgbClr val="FF0000"/>
               </a:solidFill>
+              <a:latin typeface="Consolas" panose="020B0609020204030204" pitchFamily="49" charset="0"/>
             </a:rPr>
-            <a:t>+, &lt;, =</a:t>
+            <a:t>+ &lt; =</a:t>
           </a:r>
         </a:p>
       </dgm:t>
@@ -2211,7 +2185,7 @@
         <a:lstStyle/>
         <a:p>
           <a:r>
-            <a:rPr lang="en-US"/>
+            <a:rPr lang="en-US" dirty="0"/>
             <a:t>Numeric, logical, textual, reference literals;</a:t>
           </a:r>
         </a:p>
@@ -2251,12 +2225,9 @@
               <a:solidFill>
                 <a:srgbClr val="FF0000"/>
               </a:solidFill>
+              <a:latin typeface="Consolas" panose="020B0609020204030204" pitchFamily="49" charset="0"/>
             </a:rPr>
-            <a:t>true, 6.02e23, “word</a:t>
-          </a:r>
-          <a:r>
-            <a:rPr lang="en-US" dirty="0"/>
-            <a:t>"</a:t>
+            <a:t>true 6.02e23 “word"</a:t>
           </a:r>
         </a:p>
       </dgm:t>
@@ -2374,6 +2345,7 @@
                   <a:lumOff val="40000"/>
                 </a:schemeClr>
               </a:solidFill>
+              <a:latin typeface="Consolas" panose="020B0609020204030204" pitchFamily="49" charset="0"/>
             </a:rPr>
             <a:t>/* Block comment */, // Line comment</a:t>
           </a:r>
@@ -2579,7 +2551,7 @@
 <dgm:dataModel xmlns:dgm="http://schemas.openxmlformats.org/drawingml/2006/diagram" xmlns:a="http://schemas.openxmlformats.org/drawingml/2006/main">
   <dgm:ptLst>
     <dgm:pt modelId="{A60247FB-A3A4-4381-8F8C-57BDA29E9D50}" type="doc">
-      <dgm:prSet loTypeId="urn:microsoft.com/office/officeart/2005/8/layout/vList2" loCatId="list" qsTypeId="urn:microsoft.com/office/officeart/2005/8/quickstyle/simple1" qsCatId="simple" csTypeId="urn:microsoft.com/office/officeart/2005/8/colors/colorful5" csCatId="colorful" phldr="1"/>
+      <dgm:prSet loTypeId="urn:microsoft.com/office/officeart/2005/8/layout/vList2" loCatId="list" qsTypeId="urn:microsoft.com/office/officeart/2005/8/quickstyle/simple1" qsCatId="simple" csTypeId="urn:microsoft.com/office/officeart/2005/8/colors/accent2_2" csCatId="accent2" phldr="1"/>
       <dgm:spPr/>
       <dgm:t>
         <a:bodyPr/>
@@ -2805,7 +2777,7 @@
         </a:p>
       </dgm:t>
     </dgm:pt>
-    <dgm:pt modelId="{E6031510-76A8-406A-964B-0ABEC3CE7473}" type="pres">
+    <dgm:pt modelId="{3CBE8181-DB1A-4F36-9982-B0E4C75609FF}" type="pres">
       <dgm:prSet presAssocID="{A60247FB-A3A4-4381-8F8C-57BDA29E9D50}" presName="linear" presStyleCnt="0">
         <dgm:presLayoutVars>
           <dgm:animLvl val="lvl"/>
@@ -2814,7 +2786,7 @@
       </dgm:prSet>
       <dgm:spPr/>
     </dgm:pt>
-    <dgm:pt modelId="{A5ACC5ED-CB4D-445C-86A5-31AD511F6F62}" type="pres">
+    <dgm:pt modelId="{4BE70ACA-110E-476D-98DE-A699676951AD}" type="pres">
       <dgm:prSet presAssocID="{30C76701-CD5C-4A2A-B458-36385F571C7D}" presName="parentText" presStyleLbl="node1" presStyleIdx="0" presStyleCnt="6">
         <dgm:presLayoutVars>
           <dgm:chMax val="0"/>
@@ -2823,11 +2795,11 @@
       </dgm:prSet>
       <dgm:spPr/>
     </dgm:pt>
-    <dgm:pt modelId="{97BECE03-6EC5-458E-8DA4-9ED9142B8700}" type="pres">
+    <dgm:pt modelId="{25A4B33D-152A-4D67-A7BE-CE0FE4EED2E2}" type="pres">
       <dgm:prSet presAssocID="{0C05D84E-E522-4DA0-88F5-A903B3BB095B}" presName="spacer" presStyleCnt="0"/>
       <dgm:spPr/>
     </dgm:pt>
-    <dgm:pt modelId="{AD7F5C86-B852-4DFC-B38F-3AB466033128}" type="pres">
+    <dgm:pt modelId="{8C835CDE-35D5-4B5B-88EF-7C8160A488E9}" type="pres">
       <dgm:prSet presAssocID="{2F385820-80B8-4669-8636-DCE63CC5E2F5}" presName="parentText" presStyleLbl="node1" presStyleIdx="1" presStyleCnt="6">
         <dgm:presLayoutVars>
           <dgm:chMax val="0"/>
@@ -2836,11 +2808,11 @@
       </dgm:prSet>
       <dgm:spPr/>
     </dgm:pt>
-    <dgm:pt modelId="{BE4C626C-A1E3-45B6-B790-69831CA941F9}" type="pres">
+    <dgm:pt modelId="{4680CD76-1B35-4FD2-B5CE-329B3B23175C}" type="pres">
       <dgm:prSet presAssocID="{AE21FE77-D3E7-4939-B834-D1E55CFA175B}" presName="spacer" presStyleCnt="0"/>
       <dgm:spPr/>
     </dgm:pt>
-    <dgm:pt modelId="{49E5003A-14BD-4602-A5F8-BD578540CA60}" type="pres">
+    <dgm:pt modelId="{A955144D-FDA9-4765-A4AC-FA6873328C6F}" type="pres">
       <dgm:prSet presAssocID="{749292F6-361F-4B16-B24D-55AA2E26E790}" presName="parentText" presStyleLbl="node1" presStyleIdx="2" presStyleCnt="6">
         <dgm:presLayoutVars>
           <dgm:chMax val="0"/>
@@ -2849,11 +2821,11 @@
       </dgm:prSet>
       <dgm:spPr/>
     </dgm:pt>
-    <dgm:pt modelId="{BC4AF56D-6536-434C-A6E4-000F95CDD6DE}" type="pres">
+    <dgm:pt modelId="{D37926AE-9F43-4CDD-86BC-02C8C2598AC0}" type="pres">
       <dgm:prSet presAssocID="{845DD05F-55E9-47A3-B996-BF03C8C028CD}" presName="spacer" presStyleCnt="0"/>
       <dgm:spPr/>
     </dgm:pt>
-    <dgm:pt modelId="{EF7580D0-59EA-438F-A8D3-4D108CC69660}" type="pres">
+    <dgm:pt modelId="{1A892DE4-7EA1-4A01-A2D4-A8E024949D5A}" type="pres">
       <dgm:prSet presAssocID="{A157DA54-C590-484C-A6F1-33CB2799683E}" presName="parentText" presStyleLbl="node1" presStyleIdx="3" presStyleCnt="6">
         <dgm:presLayoutVars>
           <dgm:chMax val="0"/>
@@ -2862,11 +2834,11 @@
       </dgm:prSet>
       <dgm:spPr/>
     </dgm:pt>
-    <dgm:pt modelId="{7065A3A2-28B7-4F28-9483-3B9DB68CF6BE}" type="pres">
+    <dgm:pt modelId="{BBCB9C86-40C3-4E45-B87E-4FB311CC1C14}" type="pres">
       <dgm:prSet presAssocID="{7E4F0F24-D668-40C4-A24F-FC252CB550AA}" presName="spacer" presStyleCnt="0"/>
       <dgm:spPr/>
     </dgm:pt>
-    <dgm:pt modelId="{9A1E7811-92B1-456C-9762-34F3C35B5958}" type="pres">
+    <dgm:pt modelId="{69AB2194-8FBD-4C06-9A7D-34A88C0C6F79}" type="pres">
       <dgm:prSet presAssocID="{918B1E57-779C-477D-80CE-D3C09A0C642A}" presName="parentText" presStyleLbl="node1" presStyleIdx="4" presStyleCnt="6">
         <dgm:presLayoutVars>
           <dgm:chMax val="0"/>
@@ -2875,11 +2847,11 @@
       </dgm:prSet>
       <dgm:spPr/>
     </dgm:pt>
-    <dgm:pt modelId="{94D477A1-E7AA-4CFE-B40D-BD935EA15ADA}" type="pres">
+    <dgm:pt modelId="{4D856061-CE7A-4630-A407-56CED822941B}" type="pres">
       <dgm:prSet presAssocID="{05ADD006-34D0-4D57-B07F-B5E245486B36}" presName="spacer" presStyleCnt="0"/>
       <dgm:spPr/>
     </dgm:pt>
-    <dgm:pt modelId="{A1EDB9ED-3A0C-4001-9CD4-7819E3E2E90D}" type="pres">
+    <dgm:pt modelId="{C4A15258-5197-4CBF-BB1E-79E712C0CB02}" type="pres">
       <dgm:prSet presAssocID="{E3710227-ECA4-4AA1-A61F-D3041B78C54A}" presName="parentText" presStyleLbl="node1" presStyleIdx="5" presStyleCnt="6">
         <dgm:presLayoutVars>
           <dgm:chMax val="0"/>
@@ -2890,30 +2862,30 @@
     </dgm:pt>
   </dgm:ptLst>
   <dgm:cxnLst>
-    <dgm:cxn modelId="{99D6A007-C0A1-45F6-8228-F1AB1A6BC5B0}" type="presOf" srcId="{918B1E57-779C-477D-80CE-D3C09A0C642A}" destId="{9A1E7811-92B1-456C-9762-34F3C35B5958}" srcOrd="0" destOrd="0" presId="urn:microsoft.com/office/officeart/2005/8/layout/vList2"/>
-    <dgm:cxn modelId="{5F01F112-AB6A-4D78-BBA8-5C6D743D51A3}" type="presOf" srcId="{2F385820-80B8-4669-8636-DCE63CC5E2F5}" destId="{AD7F5C86-B852-4DFC-B38F-3AB466033128}" srcOrd="0" destOrd="0" presId="urn:microsoft.com/office/officeart/2005/8/layout/vList2"/>
+    <dgm:cxn modelId="{A7656411-990E-4F7F-A253-D6AF11C9E116}" type="presOf" srcId="{A157DA54-C590-484C-A6F1-33CB2799683E}" destId="{1A892DE4-7EA1-4A01-A2D4-A8E024949D5A}" srcOrd="0" destOrd="0" presId="urn:microsoft.com/office/officeart/2005/8/layout/vList2"/>
+    <dgm:cxn modelId="{80A33B18-D0D8-459D-B440-45597B9B029F}" type="presOf" srcId="{2F385820-80B8-4669-8636-DCE63CC5E2F5}" destId="{8C835CDE-35D5-4B5B-88EF-7C8160A488E9}" srcOrd="0" destOrd="0" presId="urn:microsoft.com/office/officeart/2005/8/layout/vList2"/>
+    <dgm:cxn modelId="{BA32EC46-D744-4B6B-831E-92CBF27A5B86}" type="presOf" srcId="{A60247FB-A3A4-4381-8F8C-57BDA29E9D50}" destId="{3CBE8181-DB1A-4F36-9982-B0E4C75609FF}" srcOrd="0" destOrd="0" presId="urn:microsoft.com/office/officeart/2005/8/layout/vList2"/>
     <dgm:cxn modelId="{D6CDB44A-19C7-4829-A9EA-E1B930A5F4BE}" srcId="{A60247FB-A3A4-4381-8F8C-57BDA29E9D50}" destId="{749292F6-361F-4B16-B24D-55AA2E26E790}" srcOrd="2" destOrd="0" parTransId="{78F6C7D4-2B4C-489E-A266-9FFF5FA7172D}" sibTransId="{845DD05F-55E9-47A3-B996-BF03C8C028CD}"/>
     <dgm:cxn modelId="{C9001F4F-C59B-4928-9FCD-5C643B3A20C9}" srcId="{A60247FB-A3A4-4381-8F8C-57BDA29E9D50}" destId="{A157DA54-C590-484C-A6F1-33CB2799683E}" srcOrd="3" destOrd="0" parTransId="{51CF335B-5A4B-4B78-8F9C-0AC5B2C3D601}" sibTransId="{7E4F0F24-D668-40C4-A24F-FC252CB550AA}"/>
     <dgm:cxn modelId="{D3CD7A75-59F8-4ABA-87C0-BE9C6269FF71}" srcId="{A60247FB-A3A4-4381-8F8C-57BDA29E9D50}" destId="{30C76701-CD5C-4A2A-B458-36385F571C7D}" srcOrd="0" destOrd="0" parTransId="{621C752C-E380-4FB9-8490-807C6566F929}" sibTransId="{0C05D84E-E522-4DA0-88F5-A903B3BB095B}"/>
-    <dgm:cxn modelId="{77D11198-06BF-47C3-9FB0-A1E17E3BC81A}" type="presOf" srcId="{E3710227-ECA4-4AA1-A61F-D3041B78C54A}" destId="{A1EDB9ED-3A0C-4001-9CD4-7819E3E2E90D}" srcOrd="0" destOrd="0" presId="urn:microsoft.com/office/officeart/2005/8/layout/vList2"/>
+    <dgm:cxn modelId="{F3850F7E-8BCD-4CDC-9188-BB2FE063E246}" type="presOf" srcId="{918B1E57-779C-477D-80CE-D3C09A0C642A}" destId="{69AB2194-8FBD-4C06-9A7D-34A88C0C6F79}" srcOrd="0" destOrd="0" presId="urn:microsoft.com/office/officeart/2005/8/layout/vList2"/>
     <dgm:cxn modelId="{0EE84CA1-2C17-4FAD-96D0-87154DE411B4}" srcId="{A60247FB-A3A4-4381-8F8C-57BDA29E9D50}" destId="{918B1E57-779C-477D-80CE-D3C09A0C642A}" srcOrd="4" destOrd="0" parTransId="{195619C9-F086-42D4-9A14-A689EED91063}" sibTransId="{05ADD006-34D0-4D57-B07F-B5E245486B36}"/>
+    <dgm:cxn modelId="{6CFE4DD0-A18C-4348-9ED5-130CBF4CA130}" type="presOf" srcId="{30C76701-CD5C-4A2A-B458-36385F571C7D}" destId="{4BE70ACA-110E-476D-98DE-A699676951AD}" srcOrd="0" destOrd="0" presId="urn:microsoft.com/office/officeart/2005/8/layout/vList2"/>
     <dgm:cxn modelId="{7CB374D8-6224-4F1F-8E9C-0EBBD6B2B967}" srcId="{A60247FB-A3A4-4381-8F8C-57BDA29E9D50}" destId="{E3710227-ECA4-4AA1-A61F-D3041B78C54A}" srcOrd="5" destOrd="0" parTransId="{BE94B826-96E0-40F7-8B87-10A731E9F5E4}" sibTransId="{DC9E6EEA-DA45-4288-B8F5-2F45F32D39B9}"/>
-    <dgm:cxn modelId="{22EAB6EE-36F7-416F-849B-447D0A8580A9}" type="presOf" srcId="{749292F6-361F-4B16-B24D-55AA2E26E790}" destId="{49E5003A-14BD-4602-A5F8-BD578540CA60}" srcOrd="0" destOrd="0" presId="urn:microsoft.com/office/officeart/2005/8/layout/vList2"/>
-    <dgm:cxn modelId="{2D5264F3-25E5-400A-9F48-81748D2A57A1}" type="presOf" srcId="{A157DA54-C590-484C-A6F1-33CB2799683E}" destId="{EF7580D0-59EA-438F-A8D3-4D108CC69660}" srcOrd="0" destOrd="0" presId="urn:microsoft.com/office/officeart/2005/8/layout/vList2"/>
-    <dgm:cxn modelId="{BDDA64F4-B755-48C2-BA7B-505E9205AF70}" type="presOf" srcId="{30C76701-CD5C-4A2A-B458-36385F571C7D}" destId="{A5ACC5ED-CB4D-445C-86A5-31AD511F6F62}" srcOrd="0" destOrd="0" presId="urn:microsoft.com/office/officeart/2005/8/layout/vList2"/>
+    <dgm:cxn modelId="{E47A1FDF-3062-4007-87BE-A709BF584646}" type="presOf" srcId="{749292F6-361F-4B16-B24D-55AA2E26E790}" destId="{A955144D-FDA9-4765-A4AC-FA6873328C6F}" srcOrd="0" destOrd="0" presId="urn:microsoft.com/office/officeart/2005/8/layout/vList2"/>
+    <dgm:cxn modelId="{5772ECE8-ED05-46C1-9943-3BE526741185}" type="presOf" srcId="{E3710227-ECA4-4AA1-A61F-D3041B78C54A}" destId="{C4A15258-5197-4CBF-BB1E-79E712C0CB02}" srcOrd="0" destOrd="0" presId="urn:microsoft.com/office/officeart/2005/8/layout/vList2"/>
     <dgm:cxn modelId="{D57BF4F5-DB2B-4F4F-8B62-7156A710DB1C}" srcId="{A60247FB-A3A4-4381-8F8C-57BDA29E9D50}" destId="{2F385820-80B8-4669-8636-DCE63CC5E2F5}" srcOrd="1" destOrd="0" parTransId="{460B2074-1358-42CE-B607-5B869E386C97}" sibTransId="{AE21FE77-D3E7-4939-B834-D1E55CFA175B}"/>
-    <dgm:cxn modelId="{615561F7-C4E2-4EBB-8101-95C418C7E09E}" type="presOf" srcId="{A60247FB-A3A4-4381-8F8C-57BDA29E9D50}" destId="{E6031510-76A8-406A-964B-0ABEC3CE7473}" srcOrd="0" destOrd="0" presId="urn:microsoft.com/office/officeart/2005/8/layout/vList2"/>
-    <dgm:cxn modelId="{04E870D0-4A4F-4EEA-95E2-C9842C5BDA57}" type="presParOf" srcId="{E6031510-76A8-406A-964B-0ABEC3CE7473}" destId="{A5ACC5ED-CB4D-445C-86A5-31AD511F6F62}" srcOrd="0" destOrd="0" presId="urn:microsoft.com/office/officeart/2005/8/layout/vList2"/>
-    <dgm:cxn modelId="{3F709360-8D01-44E5-8708-B4AAAE561CB2}" type="presParOf" srcId="{E6031510-76A8-406A-964B-0ABEC3CE7473}" destId="{97BECE03-6EC5-458E-8DA4-9ED9142B8700}" srcOrd="1" destOrd="0" presId="urn:microsoft.com/office/officeart/2005/8/layout/vList2"/>
-    <dgm:cxn modelId="{E72B414A-02E5-41D7-9936-24A46363234F}" type="presParOf" srcId="{E6031510-76A8-406A-964B-0ABEC3CE7473}" destId="{AD7F5C86-B852-4DFC-B38F-3AB466033128}" srcOrd="2" destOrd="0" presId="urn:microsoft.com/office/officeart/2005/8/layout/vList2"/>
-    <dgm:cxn modelId="{935DBC25-4AC5-4F4A-A8FC-FF109E2E7A82}" type="presParOf" srcId="{E6031510-76A8-406A-964B-0ABEC3CE7473}" destId="{BE4C626C-A1E3-45B6-B790-69831CA941F9}" srcOrd="3" destOrd="0" presId="urn:microsoft.com/office/officeart/2005/8/layout/vList2"/>
-    <dgm:cxn modelId="{55196E65-6E51-45A7-BA0B-F1BA5FA5F98F}" type="presParOf" srcId="{E6031510-76A8-406A-964B-0ABEC3CE7473}" destId="{49E5003A-14BD-4602-A5F8-BD578540CA60}" srcOrd="4" destOrd="0" presId="urn:microsoft.com/office/officeart/2005/8/layout/vList2"/>
-    <dgm:cxn modelId="{78ACE9DE-36A3-4B85-A4C5-9ECB11B8B7DA}" type="presParOf" srcId="{E6031510-76A8-406A-964B-0ABEC3CE7473}" destId="{BC4AF56D-6536-434C-A6E4-000F95CDD6DE}" srcOrd="5" destOrd="0" presId="urn:microsoft.com/office/officeart/2005/8/layout/vList2"/>
-    <dgm:cxn modelId="{971EDDD3-8DCC-4622-9CA6-E9A73DA9290E}" type="presParOf" srcId="{E6031510-76A8-406A-964B-0ABEC3CE7473}" destId="{EF7580D0-59EA-438F-A8D3-4D108CC69660}" srcOrd="6" destOrd="0" presId="urn:microsoft.com/office/officeart/2005/8/layout/vList2"/>
-    <dgm:cxn modelId="{5F03FE09-AAAD-40B8-BC36-EC135BC2B9CE}" type="presParOf" srcId="{E6031510-76A8-406A-964B-0ABEC3CE7473}" destId="{7065A3A2-28B7-4F28-9483-3B9DB68CF6BE}" srcOrd="7" destOrd="0" presId="urn:microsoft.com/office/officeart/2005/8/layout/vList2"/>
-    <dgm:cxn modelId="{E73CCBF0-C6CC-440E-8F93-19EDDA20E97A}" type="presParOf" srcId="{E6031510-76A8-406A-964B-0ABEC3CE7473}" destId="{9A1E7811-92B1-456C-9762-34F3C35B5958}" srcOrd="8" destOrd="0" presId="urn:microsoft.com/office/officeart/2005/8/layout/vList2"/>
-    <dgm:cxn modelId="{BE9A6282-0471-4E27-9913-E515A7357216}" type="presParOf" srcId="{E6031510-76A8-406A-964B-0ABEC3CE7473}" destId="{94D477A1-E7AA-4CFE-B40D-BD935EA15ADA}" srcOrd="9" destOrd="0" presId="urn:microsoft.com/office/officeart/2005/8/layout/vList2"/>
-    <dgm:cxn modelId="{2E4360B7-85F7-4DB9-8D6D-67D70AB7259B}" type="presParOf" srcId="{E6031510-76A8-406A-964B-0ABEC3CE7473}" destId="{A1EDB9ED-3A0C-4001-9CD4-7819E3E2E90D}" srcOrd="10" destOrd="0" presId="urn:microsoft.com/office/officeart/2005/8/layout/vList2"/>
+    <dgm:cxn modelId="{FF44F6A9-7CC4-4C9B-8399-DC7508FA1F32}" type="presParOf" srcId="{3CBE8181-DB1A-4F36-9982-B0E4C75609FF}" destId="{4BE70ACA-110E-476D-98DE-A699676951AD}" srcOrd="0" destOrd="0" presId="urn:microsoft.com/office/officeart/2005/8/layout/vList2"/>
+    <dgm:cxn modelId="{989EB877-5349-4A50-AB57-558039A9F8C3}" type="presParOf" srcId="{3CBE8181-DB1A-4F36-9982-B0E4C75609FF}" destId="{25A4B33D-152A-4D67-A7BE-CE0FE4EED2E2}" srcOrd="1" destOrd="0" presId="urn:microsoft.com/office/officeart/2005/8/layout/vList2"/>
+    <dgm:cxn modelId="{BF996989-19BF-419C-AABD-BE951AC9C3EF}" type="presParOf" srcId="{3CBE8181-DB1A-4F36-9982-B0E4C75609FF}" destId="{8C835CDE-35D5-4B5B-88EF-7C8160A488E9}" srcOrd="2" destOrd="0" presId="urn:microsoft.com/office/officeart/2005/8/layout/vList2"/>
+    <dgm:cxn modelId="{A3E96C11-7B0D-433F-826F-05BC12E57B14}" type="presParOf" srcId="{3CBE8181-DB1A-4F36-9982-B0E4C75609FF}" destId="{4680CD76-1B35-4FD2-B5CE-329B3B23175C}" srcOrd="3" destOrd="0" presId="urn:microsoft.com/office/officeart/2005/8/layout/vList2"/>
+    <dgm:cxn modelId="{FF1320BB-410D-4432-B8DE-BB17BE489C4D}" type="presParOf" srcId="{3CBE8181-DB1A-4F36-9982-B0E4C75609FF}" destId="{A955144D-FDA9-4765-A4AC-FA6873328C6F}" srcOrd="4" destOrd="0" presId="urn:microsoft.com/office/officeart/2005/8/layout/vList2"/>
+    <dgm:cxn modelId="{23CFA1BB-8BEA-4C9D-B0C5-120EEC2245DC}" type="presParOf" srcId="{3CBE8181-DB1A-4F36-9982-B0E4C75609FF}" destId="{D37926AE-9F43-4CDD-86BC-02C8C2598AC0}" srcOrd="5" destOrd="0" presId="urn:microsoft.com/office/officeart/2005/8/layout/vList2"/>
+    <dgm:cxn modelId="{E516C9DA-7059-4765-BAF7-6627B11E71E2}" type="presParOf" srcId="{3CBE8181-DB1A-4F36-9982-B0E4C75609FF}" destId="{1A892DE4-7EA1-4A01-A2D4-A8E024949D5A}" srcOrd="6" destOrd="0" presId="urn:microsoft.com/office/officeart/2005/8/layout/vList2"/>
+    <dgm:cxn modelId="{0BDA7747-5124-4BF8-9777-39CE3F5FD667}" type="presParOf" srcId="{3CBE8181-DB1A-4F36-9982-B0E4C75609FF}" destId="{BBCB9C86-40C3-4E45-B87E-4FB311CC1C14}" srcOrd="7" destOrd="0" presId="urn:microsoft.com/office/officeart/2005/8/layout/vList2"/>
+    <dgm:cxn modelId="{DAEE64D9-1745-4FB1-AC99-90B461176DDC}" type="presParOf" srcId="{3CBE8181-DB1A-4F36-9982-B0E4C75609FF}" destId="{69AB2194-8FBD-4C06-9A7D-34A88C0C6F79}" srcOrd="8" destOrd="0" presId="urn:microsoft.com/office/officeart/2005/8/layout/vList2"/>
+    <dgm:cxn modelId="{9D4E04BE-CC78-4F4E-932F-6587C360AAE3}" type="presParOf" srcId="{3CBE8181-DB1A-4F36-9982-B0E4C75609FF}" destId="{4D856061-CE7A-4630-A407-56CED822941B}" srcOrd="9" destOrd="0" presId="urn:microsoft.com/office/officeart/2005/8/layout/vList2"/>
+    <dgm:cxn modelId="{7705747E-4A15-4E22-8480-F3103EFC2434}" type="presParOf" srcId="{3CBE8181-DB1A-4F36-9982-B0E4C75609FF}" destId="{C4A15258-5197-4CBF-BB1E-79E712C0CB02}" srcOrd="10" destOrd="0" presId="urn:microsoft.com/office/officeart/2005/8/layout/vList2"/>
   </dgm:cxnLst>
   <dgm:bg/>
   <dgm:whole/>
@@ -2940,7 +2912,7 @@
       </dsp:nvSpPr>
       <dsp:spPr>
         <a:xfrm>
-          <a:off x="0" y="76626"/>
+          <a:off x="0" y="104571"/>
           <a:ext cx="6797675" cy="431730"/>
         </a:xfrm>
         <a:prstGeom prst="roundRect">
@@ -3007,7 +2979,7 @@
         </a:p>
       </dsp:txBody>
       <dsp:txXfrm>
-        <a:off x="21075" y="97701"/>
+        <a:off x="21075" y="125646"/>
         <a:ext cx="6755525" cy="389580"/>
       </dsp:txXfrm>
     </dsp:sp>
@@ -3018,8 +2990,8 @@
       </dsp:nvSpPr>
       <dsp:spPr>
         <a:xfrm>
-          <a:off x="0" y="508356"/>
-          <a:ext cx="6797675" cy="484380"/>
+          <a:off x="0" y="536301"/>
+          <a:ext cx="6797675" cy="475065"/>
         </a:xfrm>
         <a:prstGeom prst="rect">
           <a:avLst/>
@@ -3083,14 +3055,15 @@
               <a:solidFill>
                 <a:srgbClr val="FF0000"/>
               </a:solidFill>
+              <a:latin typeface="Consolas" panose="020B0609020204030204" pitchFamily="49" charset="0"/>
             </a:rPr>
-            <a:t>x, color, UP</a:t>
+            <a:t>x color UP</a:t>
           </a:r>
         </a:p>
       </dsp:txBody>
       <dsp:txXfrm>
-        <a:off x="0" y="508356"/>
-        <a:ext cx="6797675" cy="484380"/>
+        <a:off x="0" y="536301"/>
+        <a:ext cx="6797675" cy="475065"/>
       </dsp:txXfrm>
     </dsp:sp>
     <dsp:sp modelId="{38A7681F-4301-4BF9-9D3E-1AC6110DE9C7}">
@@ -3100,7 +3073,7 @@
       </dsp:nvSpPr>
       <dsp:spPr>
         <a:xfrm>
-          <a:off x="0" y="992736"/>
+          <a:off x="0" y="1011366"/>
           <a:ext cx="6797675" cy="431730"/>
         </a:xfrm>
         <a:prstGeom prst="roundRect">
@@ -3167,7 +3140,7 @@
         </a:p>
       </dsp:txBody>
       <dsp:txXfrm>
-        <a:off x="21075" y="1013811"/>
+        <a:off x="21075" y="1032441"/>
         <a:ext cx="6755525" cy="389580"/>
       </dsp:txXfrm>
     </dsp:sp>
@@ -3178,8 +3151,8 @@
       </dsp:nvSpPr>
       <dsp:spPr>
         <a:xfrm>
-          <a:off x="0" y="1424466"/>
-          <a:ext cx="6797675" cy="484380"/>
+          <a:off x="0" y="1443096"/>
+          <a:ext cx="6797675" cy="475065"/>
         </a:xfrm>
         <a:prstGeom prst="rect">
           <a:avLst/>
@@ -3243,14 +3216,15 @@
               <a:solidFill>
                 <a:srgbClr val="FF0000"/>
               </a:solidFill>
+              <a:latin typeface="Consolas" panose="020B0609020204030204" pitchFamily="49" charset="0"/>
             </a:rPr>
-            <a:t>if, while, return </a:t>
+            <a:t>if while return </a:t>
           </a:r>
         </a:p>
       </dsp:txBody>
       <dsp:txXfrm>
-        <a:off x="0" y="1424466"/>
-        <a:ext cx="6797675" cy="484380"/>
+        <a:off x="0" y="1443096"/>
+        <a:ext cx="6797675" cy="475065"/>
       </dsp:txXfrm>
     </dsp:sp>
     <dsp:sp modelId="{E5E0C136-B3C5-4846-8AF9-0F719CFD1654}">
@@ -3260,7 +3234,7 @@
       </dsp:nvSpPr>
       <dsp:spPr>
         <a:xfrm>
-          <a:off x="0" y="1908846"/>
+          <a:off x="0" y="1918161"/>
           <a:ext cx="6797675" cy="431730"/>
         </a:xfrm>
         <a:prstGeom prst="roundRect">
@@ -3327,7 +3301,7 @@
         </a:p>
       </dsp:txBody>
       <dsp:txXfrm>
-        <a:off x="21075" y="1929921"/>
+        <a:off x="21075" y="1939236"/>
         <a:ext cx="6755525" cy="389580"/>
       </dsp:txXfrm>
     </dsp:sp>
@@ -3338,8 +3312,8 @@
       </dsp:nvSpPr>
       <dsp:spPr>
         <a:xfrm>
-          <a:off x="0" y="2340575"/>
-          <a:ext cx="6797675" cy="484380"/>
+          <a:off x="0" y="2349891"/>
+          <a:ext cx="6797675" cy="475065"/>
         </a:xfrm>
         <a:prstGeom prst="rect">
           <a:avLst/>
@@ -3403,14 +3377,15 @@
               <a:solidFill>
                 <a:srgbClr val="FF0000"/>
               </a:solidFill>
+              <a:latin typeface="Consolas" panose="020B0609020204030204" pitchFamily="49" charset="0"/>
             </a:rPr>
             <a:t>} ( ;</a:t>
           </a:r>
         </a:p>
       </dsp:txBody>
       <dsp:txXfrm>
-        <a:off x="0" y="2340575"/>
-        <a:ext cx="6797675" cy="484380"/>
+        <a:off x="0" y="2349891"/>
+        <a:ext cx="6797675" cy="475065"/>
       </dsp:txXfrm>
     </dsp:sp>
     <dsp:sp modelId="{767B177B-4291-4C40-BBD9-D17E3904CCF5}">
@@ -3499,7 +3474,7 @@
       <dsp:spPr>
         <a:xfrm>
           <a:off x="0" y="3256686"/>
-          <a:ext cx="6797675" cy="484380"/>
+          <a:ext cx="6797675" cy="475065"/>
         </a:xfrm>
         <a:prstGeom prst="rect">
           <a:avLst/>
@@ -3563,14 +3538,15 @@
               <a:solidFill>
                 <a:srgbClr val="FF0000"/>
               </a:solidFill>
+              <a:latin typeface="Consolas" panose="020B0609020204030204" pitchFamily="49" charset="0"/>
             </a:rPr>
-            <a:t>+, &lt;, =</a:t>
+            <a:t>+ &lt; =</a:t>
           </a:r>
         </a:p>
       </dsp:txBody>
       <dsp:txXfrm>
         <a:off x="0" y="3256686"/>
-        <a:ext cx="6797675" cy="484380"/>
+        <a:ext cx="6797675" cy="475065"/>
       </dsp:txXfrm>
     </dsp:sp>
     <dsp:sp modelId="{B882511F-281E-4C14-ADFD-6A4C1B69A74D}">
@@ -3580,7 +3556,7 @@
       </dsp:nvSpPr>
       <dsp:spPr>
         <a:xfrm>
-          <a:off x="0" y="3741066"/>
+          <a:off x="0" y="3731751"/>
           <a:ext cx="6797675" cy="431730"/>
         </a:xfrm>
         <a:prstGeom prst="roundRect">
@@ -3647,7 +3623,7 @@
         </a:p>
       </dsp:txBody>
       <dsp:txXfrm>
-        <a:off x="21075" y="3762141"/>
+        <a:off x="21075" y="3752826"/>
         <a:ext cx="6755525" cy="389580"/>
       </dsp:txXfrm>
     </dsp:sp>
@@ -3658,8 +3634,8 @@
       </dsp:nvSpPr>
       <dsp:spPr>
         <a:xfrm>
-          <a:off x="0" y="4172796"/>
-          <a:ext cx="6797675" cy="484380"/>
+          <a:off x="0" y="4163481"/>
+          <a:ext cx="6797675" cy="475065"/>
         </a:xfrm>
         <a:prstGeom prst="rect">
           <a:avLst/>
@@ -3701,7 +3677,7 @@
             <a:buChar char="•"/>
           </a:pPr>
           <a:r>
-            <a:rPr lang="en-US" sz="1400" kern="1200"/>
+            <a:rPr lang="en-US" sz="1400" kern="1200" dirty="0"/>
             <a:t>Numeric, logical, textual, reference literals;</a:t>
           </a:r>
         </a:p>
@@ -3723,18 +3699,15 @@
               <a:solidFill>
                 <a:srgbClr val="FF0000"/>
               </a:solidFill>
+              <a:latin typeface="Consolas" panose="020B0609020204030204" pitchFamily="49" charset="0"/>
             </a:rPr>
-            <a:t>true, 6.02e23, “word</a:t>
-          </a:r>
-          <a:r>
-            <a:rPr lang="en-US" sz="1400" kern="1200" dirty="0"/>
-            <a:t>"</a:t>
+            <a:t>true 6.02e23 “word"</a:t>
           </a:r>
         </a:p>
       </dsp:txBody>
       <dsp:txXfrm>
-        <a:off x="0" y="4172796"/>
-        <a:ext cx="6797675" cy="484380"/>
+        <a:off x="0" y="4163481"/>
+        <a:ext cx="6797675" cy="475065"/>
       </dsp:txXfrm>
     </dsp:sp>
     <dsp:sp modelId="{AE9AAB1C-451F-443E-8D18-D95D72630BCE}">
@@ -3744,7 +3717,7 @@
       </dsp:nvSpPr>
       <dsp:spPr>
         <a:xfrm>
-          <a:off x="0" y="4657175"/>
+          <a:off x="0" y="4638546"/>
           <a:ext cx="6797675" cy="431730"/>
         </a:xfrm>
         <a:prstGeom prst="roundRect">
@@ -3814,7 +3787,7 @@
         </a:p>
       </dsp:txBody>
       <dsp:txXfrm>
-        <a:off x="21075" y="4678250"/>
+        <a:off x="21075" y="4659621"/>
         <a:ext cx="6755525" cy="389580"/>
       </dsp:txXfrm>
     </dsp:sp>
@@ -3825,8 +3798,8 @@
       </dsp:nvSpPr>
       <dsp:spPr>
         <a:xfrm>
-          <a:off x="0" y="5088906"/>
-          <a:ext cx="6797675" cy="484380"/>
+          <a:off x="0" y="5070276"/>
+          <a:ext cx="6797675" cy="475065"/>
         </a:xfrm>
         <a:prstGeom prst="rect">
           <a:avLst/>
@@ -3893,14 +3866,15 @@
                   <a:lumOff val="40000"/>
                 </a:schemeClr>
               </a:solidFill>
+              <a:latin typeface="Consolas" panose="020B0609020204030204" pitchFamily="49" charset="0"/>
             </a:rPr>
             <a:t>/* Block comment */, // Line comment</a:t>
           </a:r>
         </a:p>
       </dsp:txBody>
       <dsp:txXfrm>
-        <a:off x="0" y="5088906"/>
-        <a:ext cx="6797675" cy="484380"/>
+        <a:off x="0" y="5070276"/>
+        <a:ext cx="6797675" cy="475065"/>
       </dsp:txXfrm>
     </dsp:sp>
   </dsp:spTree>
@@ -3915,21 +3889,21 @@
       <dsp:cNvGrpSpPr/>
     </dsp:nvGrpSpPr>
     <dsp:grpSpPr/>
-    <dsp:sp modelId="{A5ACC5ED-CB4D-445C-86A5-31AD511F6F62}">
+    <dsp:sp modelId="{4BE70ACA-110E-476D-98DE-A699676951AD}">
       <dsp:nvSpPr>
         <dsp:cNvPr id="0" name=""/>
         <dsp:cNvSpPr/>
       </dsp:nvSpPr>
       <dsp:spPr>
         <a:xfrm>
-          <a:off x="0" y="371150"/>
-          <a:ext cx="6797675" cy="743535"/>
+          <a:off x="0" y="72474"/>
+          <a:ext cx="10058399" cy="551655"/>
         </a:xfrm>
         <a:prstGeom prst="roundRect">
           <a:avLst/>
         </a:prstGeom>
         <a:solidFill>
-          <a:schemeClr val="accent5">
+          <a:schemeClr val="accent2">
             <a:hueOff val="0"/>
             <a:satOff val="0"/>
             <a:lumOff val="0"/>
@@ -3964,12 +3938,12 @@
         </a:fontRef>
       </dsp:style>
       <dsp:txBody>
-        <a:bodyPr spcFirstLastPara="0" vert="horz" wrap="square" lIns="118110" tIns="118110" rIns="118110" bIns="118110" numCol="1" spcCol="1270" anchor="ctr" anchorCtr="0">
+        <a:bodyPr spcFirstLastPara="0" vert="horz" wrap="square" lIns="87630" tIns="87630" rIns="87630" bIns="87630" numCol="1" spcCol="1270" anchor="ctr" anchorCtr="0">
           <a:noAutofit/>
         </a:bodyPr>
         <a:lstStyle/>
         <a:p>
-          <a:pPr marL="0" lvl="0" indent="0" algn="l" defTabSz="1377950">
+          <a:pPr marL="0" lvl="0" indent="0" algn="l" defTabSz="1022350">
             <a:lnSpc>
               <a:spcPct val="90000"/>
             </a:lnSpc>
@@ -3982,34 +3956,34 @@
             <a:buNone/>
           </a:pPr>
           <a:r>
-            <a:rPr lang="en-US" sz="3100" kern="1200" dirty="0"/>
+            <a:rPr lang="en-US" sz="2300" kern="1200" dirty="0"/>
             <a:t>Case sensitivity, spaces, and line breaks</a:t>
           </a:r>
         </a:p>
       </dsp:txBody>
       <dsp:txXfrm>
-        <a:off x="36296" y="407446"/>
-        <a:ext cx="6725083" cy="670943"/>
+        <a:off x="26930" y="99404"/>
+        <a:ext cx="10004539" cy="497795"/>
       </dsp:txXfrm>
     </dsp:sp>
-    <dsp:sp modelId="{AD7F5C86-B852-4DFC-B38F-3AB466033128}">
+    <dsp:sp modelId="{8C835CDE-35D5-4B5B-88EF-7C8160A488E9}">
       <dsp:nvSpPr>
         <dsp:cNvPr id="0" name=""/>
         <dsp:cNvSpPr/>
       </dsp:nvSpPr>
       <dsp:spPr>
         <a:xfrm>
-          <a:off x="0" y="1203965"/>
-          <a:ext cx="6797675" cy="743535"/>
+          <a:off x="0" y="690369"/>
+          <a:ext cx="10058399" cy="551655"/>
         </a:xfrm>
         <a:prstGeom prst="roundRect">
           <a:avLst/>
         </a:prstGeom>
         <a:solidFill>
-          <a:schemeClr val="accent5">
-            <a:hueOff val="425424"/>
-            <a:satOff val="-4778"/>
-            <a:lumOff val="-1020"/>
+          <a:schemeClr val="accent2">
+            <a:hueOff val="0"/>
+            <a:satOff val="0"/>
+            <a:lumOff val="0"/>
             <a:alphaOff val="0"/>
           </a:schemeClr>
         </a:solidFill>
@@ -4041,12 +4015,12 @@
         </a:fontRef>
       </dsp:style>
       <dsp:txBody>
-        <a:bodyPr spcFirstLastPara="0" vert="horz" wrap="square" lIns="118110" tIns="118110" rIns="118110" bIns="118110" numCol="1" spcCol="1270" anchor="ctr" anchorCtr="0">
+        <a:bodyPr spcFirstLastPara="0" vert="horz" wrap="square" lIns="87630" tIns="87630" rIns="87630" bIns="87630" numCol="1" spcCol="1270" anchor="ctr" anchorCtr="0">
           <a:noAutofit/>
         </a:bodyPr>
         <a:lstStyle/>
         <a:p>
-          <a:pPr marL="0" lvl="0" indent="0" algn="l" defTabSz="1377950">
+          <a:pPr marL="0" lvl="0" indent="0" algn="l" defTabSz="1022350">
             <a:lnSpc>
               <a:spcPct val="90000"/>
             </a:lnSpc>
@@ -4059,34 +4033,34 @@
             <a:buNone/>
           </a:pPr>
           <a:r>
-            <a:rPr lang="en-US" sz="3100" kern="1200" dirty="0"/>
+            <a:rPr lang="en-US" sz="2300" kern="1200" dirty="0"/>
             <a:t>Comments</a:t>
           </a:r>
         </a:p>
       </dsp:txBody>
       <dsp:txXfrm>
-        <a:off x="36296" y="1240261"/>
-        <a:ext cx="6725083" cy="670943"/>
+        <a:off x="26930" y="717299"/>
+        <a:ext cx="10004539" cy="497795"/>
       </dsp:txXfrm>
     </dsp:sp>
-    <dsp:sp modelId="{49E5003A-14BD-4602-A5F8-BD578540CA60}">
+    <dsp:sp modelId="{A955144D-FDA9-4765-A4AC-FA6873328C6F}">
       <dsp:nvSpPr>
         <dsp:cNvPr id="0" name=""/>
         <dsp:cNvSpPr/>
       </dsp:nvSpPr>
       <dsp:spPr>
         <a:xfrm>
-          <a:off x="0" y="2036780"/>
-          <a:ext cx="6797675" cy="743535"/>
+          <a:off x="0" y="1308264"/>
+          <a:ext cx="10058399" cy="551655"/>
         </a:xfrm>
         <a:prstGeom prst="roundRect">
           <a:avLst/>
         </a:prstGeom>
         <a:solidFill>
-          <a:schemeClr val="accent5">
-            <a:hueOff val="850848"/>
-            <a:satOff val="-9556"/>
-            <a:lumOff val="-2039"/>
+          <a:schemeClr val="accent2">
+            <a:hueOff val="0"/>
+            <a:satOff val="0"/>
+            <a:lumOff val="0"/>
             <a:alphaOff val="0"/>
           </a:schemeClr>
         </a:solidFill>
@@ -4118,12 +4092,12 @@
         </a:fontRef>
       </dsp:style>
       <dsp:txBody>
-        <a:bodyPr spcFirstLastPara="0" vert="horz" wrap="square" lIns="118110" tIns="118110" rIns="118110" bIns="118110" numCol="1" spcCol="1270" anchor="ctr" anchorCtr="0">
+        <a:bodyPr spcFirstLastPara="0" vert="horz" wrap="square" lIns="87630" tIns="87630" rIns="87630" bIns="87630" numCol="1" spcCol="1270" anchor="ctr" anchorCtr="0">
           <a:noAutofit/>
         </a:bodyPr>
         <a:lstStyle/>
         <a:p>
-          <a:pPr marL="0" lvl="0" indent="0" algn="l" defTabSz="1377950">
+          <a:pPr marL="0" lvl="0" indent="0" algn="l" defTabSz="1022350">
             <a:lnSpc>
               <a:spcPct val="90000"/>
             </a:lnSpc>
@@ -4136,34 +4110,34 @@
             <a:buNone/>
           </a:pPr>
           <a:r>
-            <a:rPr lang="en-US" sz="3100" kern="1200" dirty="0"/>
+            <a:rPr lang="en-US" sz="2300" kern="1200" dirty="0"/>
             <a:t>Literals</a:t>
           </a:r>
         </a:p>
       </dsp:txBody>
       <dsp:txXfrm>
-        <a:off x="36296" y="2073076"/>
-        <a:ext cx="6725083" cy="670943"/>
+        <a:off x="26930" y="1335194"/>
+        <a:ext cx="10004539" cy="497795"/>
       </dsp:txXfrm>
     </dsp:sp>
-    <dsp:sp modelId="{EF7580D0-59EA-438F-A8D3-4D108CC69660}">
+    <dsp:sp modelId="{1A892DE4-7EA1-4A01-A2D4-A8E024949D5A}">
       <dsp:nvSpPr>
         <dsp:cNvPr id="0" name=""/>
         <dsp:cNvSpPr/>
       </dsp:nvSpPr>
       <dsp:spPr>
         <a:xfrm>
-          <a:off x="0" y="2869596"/>
-          <a:ext cx="6797675" cy="743535"/>
+          <a:off x="0" y="1926159"/>
+          <a:ext cx="10058399" cy="551655"/>
         </a:xfrm>
         <a:prstGeom prst="roundRect">
           <a:avLst/>
         </a:prstGeom>
         <a:solidFill>
-          <a:schemeClr val="accent5">
-            <a:hueOff val="1276272"/>
-            <a:satOff val="-14335"/>
-            <a:lumOff val="-3059"/>
+          <a:schemeClr val="accent2">
+            <a:hueOff val="0"/>
+            <a:satOff val="0"/>
+            <a:lumOff val="0"/>
             <a:alphaOff val="0"/>
           </a:schemeClr>
         </a:solidFill>
@@ -4195,12 +4169,12 @@
         </a:fontRef>
       </dsp:style>
       <dsp:txBody>
-        <a:bodyPr spcFirstLastPara="0" vert="horz" wrap="square" lIns="118110" tIns="118110" rIns="118110" bIns="118110" numCol="1" spcCol="1270" anchor="ctr" anchorCtr="0">
+        <a:bodyPr spcFirstLastPara="0" vert="horz" wrap="square" lIns="87630" tIns="87630" rIns="87630" bIns="87630" numCol="1" spcCol="1270" anchor="ctr" anchorCtr="0">
           <a:noAutofit/>
         </a:bodyPr>
         <a:lstStyle/>
         <a:p>
-          <a:pPr marL="0" lvl="0" indent="0" algn="l" defTabSz="1377950">
+          <a:pPr marL="0" lvl="0" indent="0" algn="l" defTabSz="1022350">
             <a:lnSpc>
               <a:spcPct val="90000"/>
             </a:lnSpc>
@@ -4213,34 +4187,34 @@
             <a:buNone/>
           </a:pPr>
           <a:r>
-            <a:rPr lang="en-US" sz="3100" kern="1200" dirty="0"/>
+            <a:rPr lang="en-US" sz="2300" kern="1200" dirty="0"/>
             <a:t>Identifiers and reserved words</a:t>
           </a:r>
         </a:p>
       </dsp:txBody>
       <dsp:txXfrm>
-        <a:off x="36296" y="2905892"/>
-        <a:ext cx="6725083" cy="670943"/>
+        <a:off x="26930" y="1953089"/>
+        <a:ext cx="10004539" cy="497795"/>
       </dsp:txXfrm>
     </dsp:sp>
-    <dsp:sp modelId="{9A1E7811-92B1-456C-9762-34F3C35B5958}">
+    <dsp:sp modelId="{69AB2194-8FBD-4C06-9A7D-34A88C0C6F79}">
       <dsp:nvSpPr>
         <dsp:cNvPr id="0" name=""/>
         <dsp:cNvSpPr/>
       </dsp:nvSpPr>
       <dsp:spPr>
         <a:xfrm>
-          <a:off x="0" y="3702411"/>
-          <a:ext cx="6797675" cy="743535"/>
+          <a:off x="0" y="2544055"/>
+          <a:ext cx="10058399" cy="551655"/>
         </a:xfrm>
         <a:prstGeom prst="roundRect">
           <a:avLst/>
         </a:prstGeom>
         <a:solidFill>
-          <a:schemeClr val="accent5">
-            <a:hueOff val="1701696"/>
-            <a:satOff val="-19113"/>
-            <a:lumOff val="-4078"/>
+          <a:schemeClr val="accent2">
+            <a:hueOff val="0"/>
+            <a:satOff val="0"/>
+            <a:lumOff val="0"/>
             <a:alphaOff val="0"/>
           </a:schemeClr>
         </a:solidFill>
@@ -4272,12 +4246,12 @@
         </a:fontRef>
       </dsp:style>
       <dsp:txBody>
-        <a:bodyPr spcFirstLastPara="0" vert="horz" wrap="square" lIns="118110" tIns="118110" rIns="118110" bIns="118110" numCol="1" spcCol="1270" anchor="ctr" anchorCtr="0">
+        <a:bodyPr spcFirstLastPara="0" vert="horz" wrap="square" lIns="87630" tIns="87630" rIns="87630" bIns="87630" numCol="1" spcCol="1270" anchor="ctr" anchorCtr="0">
           <a:noAutofit/>
         </a:bodyPr>
         <a:lstStyle/>
         <a:p>
-          <a:pPr marL="0" lvl="0" indent="0" algn="l" defTabSz="1377950">
+          <a:pPr marL="0" lvl="0" indent="0" algn="l" defTabSz="1022350">
             <a:lnSpc>
               <a:spcPct val="90000"/>
             </a:lnSpc>
@@ -4290,34 +4264,34 @@
             <a:buNone/>
           </a:pPr>
           <a:r>
-            <a:rPr lang="en-US" sz="3100" kern="1200" dirty="0"/>
+            <a:rPr lang="en-US" sz="2300" kern="1200" dirty="0"/>
             <a:t>Unicode</a:t>
           </a:r>
         </a:p>
       </dsp:txBody>
       <dsp:txXfrm>
-        <a:off x="36296" y="3738707"/>
-        <a:ext cx="6725083" cy="670943"/>
+        <a:off x="26930" y="2570985"/>
+        <a:ext cx="10004539" cy="497795"/>
       </dsp:txXfrm>
     </dsp:sp>
-    <dsp:sp modelId="{A1EDB9ED-3A0C-4001-9CD4-7819E3E2E90D}">
+    <dsp:sp modelId="{C4A15258-5197-4CBF-BB1E-79E712C0CB02}">
       <dsp:nvSpPr>
         <dsp:cNvPr id="0" name=""/>
         <dsp:cNvSpPr/>
       </dsp:nvSpPr>
       <dsp:spPr>
         <a:xfrm>
-          <a:off x="0" y="4535226"/>
-          <a:ext cx="6797675" cy="743535"/>
+          <a:off x="0" y="3161950"/>
+          <a:ext cx="10058399" cy="551655"/>
         </a:xfrm>
         <a:prstGeom prst="roundRect">
           <a:avLst/>
         </a:prstGeom>
         <a:solidFill>
-          <a:schemeClr val="accent5">
-            <a:hueOff val="2127120"/>
-            <a:satOff val="-23891"/>
-            <a:lumOff val="-5098"/>
+          <a:schemeClr val="accent2">
+            <a:hueOff val="0"/>
+            <a:satOff val="0"/>
+            <a:lumOff val="0"/>
             <a:alphaOff val="0"/>
           </a:schemeClr>
         </a:solidFill>
@@ -4349,12 +4323,12 @@
         </a:fontRef>
       </dsp:style>
       <dsp:txBody>
-        <a:bodyPr spcFirstLastPara="0" vert="horz" wrap="square" lIns="118110" tIns="118110" rIns="118110" bIns="118110" numCol="1" spcCol="1270" anchor="ctr" anchorCtr="0">
+        <a:bodyPr spcFirstLastPara="0" vert="horz" wrap="square" lIns="87630" tIns="87630" rIns="87630" bIns="87630" numCol="1" spcCol="1270" anchor="ctr" anchorCtr="0">
           <a:noAutofit/>
         </a:bodyPr>
         <a:lstStyle/>
         <a:p>
-          <a:pPr marL="0" lvl="0" indent="0" algn="l" defTabSz="1377950">
+          <a:pPr marL="0" lvl="0" indent="0" algn="l" defTabSz="1022350">
             <a:lnSpc>
               <a:spcPct val="90000"/>
             </a:lnSpc>
@@ -4367,14 +4341,14 @@
             <a:buNone/>
           </a:pPr>
           <a:r>
-            <a:rPr lang="en-US" sz="3100" kern="1200" dirty="0"/>
+            <a:rPr lang="en-US" sz="2300" kern="1200" dirty="0"/>
             <a:t>Optional semicolons</a:t>
           </a:r>
         </a:p>
       </dsp:txBody>
       <dsp:txXfrm>
-        <a:off x="36296" y="4571522"/>
-        <a:ext cx="6725083" cy="670943"/>
+        <a:off x="26930" y="3188880"/>
+        <a:ext cx="10004539" cy="497795"/>
       </dsp:txXfrm>
     </dsp:sp>
   </dsp:spTree>
@@ -6865,7 +6839,7 @@
           <a:p>
             <a:fld id="{C84A24C8-D105-4333-912A-9C2C1AAD0A0F}" type="datetimeFigureOut">
               <a:rPr lang="en-US" smtClean="0"/>
-              <a:t>9/30/2020</a:t>
+              <a:t>10/1/2020</a:t>
             </a:fld>
             <a:endParaRPr lang="en-US"/>
           </a:p>
@@ -7496,6 +7470,90 @@
 </p:notes>
 </file>
 
+<file path=ppt/notesSlides/notesSlide3.xml><?xml version="1.0" encoding="utf-8"?>
+<p:notes xmlns:a="http://schemas.openxmlformats.org/drawingml/2006/main" xmlns:r="http://schemas.openxmlformats.org/officeDocument/2006/relationships" xmlns:p="http://schemas.openxmlformats.org/presentationml/2006/main">
+  <p:cSld>
+    <p:spTree>
+      <p:nvGrpSpPr>
+        <p:cNvPr id="1" name=""/>
+        <p:cNvGrpSpPr/>
+        <p:nvPr/>
+      </p:nvGrpSpPr>
+      <p:grpSpPr>
+        <a:xfrm>
+          <a:off x="0" y="0"/>
+          <a:ext cx="0" cy="0"/>
+          <a:chOff x="0" y="0"/>
+          <a:chExt cx="0" cy="0"/>
+        </a:xfrm>
+      </p:grpSpPr>
+      <p:sp>
+        <p:nvSpPr>
+          <p:cNvPr id="2" name="Slide Image Placeholder 1"/>
+          <p:cNvSpPr>
+            <a:spLocks noGrp="1" noRot="1" noChangeAspect="1"/>
+          </p:cNvSpPr>
+          <p:nvPr>
+            <p:ph type="sldImg"/>
+          </p:nvPr>
+        </p:nvSpPr>
+        <p:spPr/>
+      </p:sp>
+      <p:sp>
+        <p:nvSpPr>
+          <p:cNvPr id="3" name="Notes Placeholder 2"/>
+          <p:cNvSpPr>
+            <a:spLocks noGrp="1"/>
+          </p:cNvSpPr>
+          <p:nvPr>
+            <p:ph type="body" idx="1"/>
+          </p:nvPr>
+        </p:nvSpPr>
+        <p:spPr/>
+        <p:txBody>
+          <a:bodyPr/>
+          <a:lstStyle/>
+          <a:p>
+            <a:endParaRPr lang="en-US" dirty="0"/>
+          </a:p>
+        </p:txBody>
+      </p:sp>
+      <p:sp>
+        <p:nvSpPr>
+          <p:cNvPr id="4" name="Slide Number Placeholder 3"/>
+          <p:cNvSpPr>
+            <a:spLocks noGrp="1"/>
+          </p:cNvSpPr>
+          <p:nvPr>
+            <p:ph type="sldNum" sz="quarter" idx="5"/>
+          </p:nvPr>
+        </p:nvSpPr>
+        <p:spPr/>
+        <p:txBody>
+          <a:bodyPr/>
+          <a:lstStyle/>
+          <a:p>
+            <a:fld id="{05AE112C-9D72-4CB9-99EE-200DECC5491A}" type="slidenum">
+              <a:rPr lang="en-US" smtClean="0"/>
+              <a:t>6</a:t>
+            </a:fld>
+            <a:endParaRPr lang="en-US"/>
+          </a:p>
+        </p:txBody>
+      </p:sp>
+    </p:spTree>
+    <p:extLst>
+      <p:ext uri="{BB962C8B-B14F-4D97-AF65-F5344CB8AC3E}">
+        <p14:creationId xmlns:p14="http://schemas.microsoft.com/office/powerpoint/2010/main" val="4004415751"/>
+      </p:ext>
+    </p:extLst>
+  </p:cSld>
+  <p:clrMapOvr>
+    <a:masterClrMapping/>
+  </p:clrMapOvr>
+</p:notes>
+</file>
+
 <file path=ppt/slideLayouts/slideLayout1.xml><?xml version="1.0" encoding="utf-8"?>
 <p:sldLayout xmlns:a="http://schemas.openxmlformats.org/drawingml/2006/main" xmlns:r="http://schemas.openxmlformats.org/officeDocument/2006/relationships" xmlns:p="http://schemas.openxmlformats.org/presentationml/2006/main" showMasterSp="0" type="title" preserve="1">
   <p:cSld name="Title Slide">
@@ -7722,7 +7780,7 @@
           <a:p>
             <a:fld id="{D00B2F81-ADA6-49F2-BF17-8DD7DAFA8AC8}" type="datetimeFigureOut">
               <a:rPr lang="en-US" smtClean="0"/>
-              <a:t>9/30/2020</a:t>
+              <a:t>10/1/2020</a:t>
             </a:fld>
             <a:endParaRPr lang="en-US"/>
           </a:p>
@@ -7930,7 +7988,7 @@
           <a:p>
             <a:fld id="{D00B2F81-ADA6-49F2-BF17-8DD7DAFA8AC8}" type="datetimeFigureOut">
               <a:rPr lang="en-US" smtClean="0"/>
-              <a:t>9/30/2020</a:t>
+              <a:t>10/1/2020</a:t>
             </a:fld>
             <a:endParaRPr lang="en-US"/>
           </a:p>
@@ -8186,7 +8244,7 @@
           <a:p>
             <a:fld id="{D00B2F81-ADA6-49F2-BF17-8DD7DAFA8AC8}" type="datetimeFigureOut">
               <a:rPr lang="en-US" smtClean="0"/>
-              <a:t>9/30/2020</a:t>
+              <a:t>10/1/2020</a:t>
             </a:fld>
             <a:endParaRPr lang="en-US"/>
           </a:p>
@@ -8360,7 +8418,7 @@
           <a:p>
             <a:fld id="{D00B2F81-ADA6-49F2-BF17-8DD7DAFA8AC8}" type="datetimeFigureOut">
               <a:rPr lang="en-US" smtClean="0"/>
-              <a:t>9/30/2020</a:t>
+              <a:t>10/1/2020</a:t>
             </a:fld>
             <a:endParaRPr lang="en-US"/>
           </a:p>
@@ -8703,7 +8761,7 @@
           <a:p>
             <a:fld id="{D00B2F81-ADA6-49F2-BF17-8DD7DAFA8AC8}" type="datetimeFigureOut">
               <a:rPr lang="en-US" smtClean="0"/>
-              <a:t>9/30/2020</a:t>
+              <a:t>10/1/2020</a:t>
             </a:fld>
             <a:endParaRPr lang="en-US"/>
           </a:p>
@@ -8978,7 +9036,7 @@
           <a:p>
             <a:fld id="{D00B2F81-ADA6-49F2-BF17-8DD7DAFA8AC8}" type="datetimeFigureOut">
               <a:rPr lang="en-US" smtClean="0"/>
-              <a:t>9/30/2020</a:t>
+              <a:t>10/1/2020</a:t>
             </a:fld>
             <a:endParaRPr lang="en-US"/>
           </a:p>
@@ -9357,7 +9415,7 @@
           <a:p>
             <a:fld id="{D00B2F81-ADA6-49F2-BF17-8DD7DAFA8AC8}" type="datetimeFigureOut">
               <a:rPr lang="en-US" smtClean="0"/>
-              <a:t>9/30/2020</a:t>
+              <a:t>10/1/2020</a:t>
             </a:fld>
             <a:endParaRPr lang="en-US"/>
           </a:p>
@@ -9475,7 +9533,7 @@
           <a:p>
             <a:fld id="{D00B2F81-ADA6-49F2-BF17-8DD7DAFA8AC8}" type="datetimeFigureOut">
               <a:rPr lang="en-US" smtClean="0"/>
-              <a:t>9/30/2020</a:t>
+              <a:t>10/1/2020</a:t>
             </a:fld>
             <a:endParaRPr lang="en-US"/>
           </a:p>
@@ -9646,7 +9704,7 @@
           <a:p>
             <a:fld id="{D00B2F81-ADA6-49F2-BF17-8DD7DAFA8AC8}" type="datetimeFigureOut">
               <a:rPr lang="en-US" smtClean="0"/>
-              <a:t>9/30/2020</a:t>
+              <a:t>10/1/2020</a:t>
             </a:fld>
             <a:endParaRPr lang="en-US"/>
           </a:p>
@@ -10000,7 +10058,7 @@
           <a:p>
             <a:fld id="{D00B2F81-ADA6-49F2-BF17-8DD7DAFA8AC8}" type="datetimeFigureOut">
               <a:rPr lang="en-US" smtClean="0"/>
-              <a:t>9/30/2020</a:t>
+              <a:t>10/1/2020</a:t>
             </a:fld>
             <a:endParaRPr lang="en-US"/>
           </a:p>
@@ -10382,7 +10440,7 @@
           <a:p>
             <a:fld id="{D00B2F81-ADA6-49F2-BF17-8DD7DAFA8AC8}" type="datetimeFigureOut">
               <a:rPr lang="en-US" smtClean="0"/>
-              <a:t>9/30/2020</a:t>
+              <a:t>10/1/2020</a:t>
             </a:fld>
             <a:endParaRPr lang="en-US"/>
           </a:p>
@@ -10669,7 +10727,7 @@
           <a:p>
             <a:fld id="{D00B2F81-ADA6-49F2-BF17-8DD7DAFA8AC8}" type="datetimeFigureOut">
               <a:rPr lang="en-US" smtClean="0"/>
-              <a:t>9/30/2020</a:t>
+              <a:t>10/1/2020</a:t>
             </a:fld>
             <a:endParaRPr lang="en-US"/>
           </a:p>
@@ -11842,7 +11900,7 @@
             <p:ph idx="1"/>
             <p:extLst>
               <p:ext uri="{D42A27DB-BD31-4B8C-83A1-F6EECF244321}">
-                <p14:modId xmlns:p14="http://schemas.microsoft.com/office/powerpoint/2010/main" val="1866076157"/>
+                <p14:modId xmlns:p14="http://schemas.microsoft.com/office/powerpoint/2010/main" val="415985602"/>
               </p:ext>
             </p:extLst>
           </p:nvPr>
@@ -11895,121 +11953,6 @@
           <a:chExt cx="0" cy="0"/>
         </a:xfrm>
       </p:grpSpPr>
-      <p:sp useBgFill="1">
-        <p:nvSpPr>
-          <p:cNvPr id="18" name="Rectangle 17">
-            <a:extLst>
-              <a:ext uri="{FF2B5EF4-FFF2-40B4-BE49-F238E27FC236}">
-                <a16:creationId xmlns:a16="http://schemas.microsoft.com/office/drawing/2014/main" id="{FB5993E2-C02B-4335-ABA5-D8EC465551E3}"/>
-              </a:ext>
-              <a:ext uri="{C183D7F6-B498-43B3-948B-1728B52AA6E4}">
-                <adec:decorative xmlns:adec="http://schemas.microsoft.com/office/drawing/2017/decorative" val="1"/>
-              </a:ext>
-            </a:extLst>
-          </p:cNvPr>
-          <p:cNvSpPr>
-            <a:spLocks noGrp="1" noRot="1" noChangeAspect="1" noMove="1" noResize="1" noEditPoints="1" noAdjustHandles="1" noChangeArrowheads="1" noChangeShapeType="1" noTextEdit="1"/>
-          </p:cNvSpPr>
-          <p:nvPr>
-            <p:extLst>
-              <p:ext uri="{386F3935-93C4-4BCD-93E2-E3B085C9AB24}">
-                <p16:designElem xmlns:p16="http://schemas.microsoft.com/office/powerpoint/2015/main" val="1"/>
-              </p:ext>
-            </p:extLst>
-          </p:nvPr>
-        </p:nvSpPr>
-        <p:spPr>
-          <a:xfrm>
-            <a:off x="0" y="0"/>
-            <a:ext cx="12186315" cy="6858000"/>
-          </a:xfrm>
-          <a:prstGeom prst="rect">
-            <a:avLst/>
-          </a:prstGeom>
-          <a:ln>
-            <a:noFill/>
-          </a:ln>
-        </p:spPr>
-        <p:style>
-          <a:lnRef idx="2">
-            <a:schemeClr val="accent6">
-              <a:shade val="50000"/>
-            </a:schemeClr>
-          </a:lnRef>
-          <a:fillRef idx="1001">
-            <a:schemeClr val="lt1"/>
-          </a:fillRef>
-          <a:effectRef idx="0">
-            <a:schemeClr val="accent6"/>
-          </a:effectRef>
-          <a:fontRef idx="minor">
-            <a:schemeClr val="lt1"/>
-          </a:fontRef>
-        </p:style>
-        <p:txBody>
-          <a:bodyPr rtlCol="0" anchor="ctr"/>
-          <a:lstStyle/>
-          <a:p>
-            <a:pPr algn="ctr"/>
-            <a:endParaRPr lang="en-US"/>
-          </a:p>
-        </p:txBody>
-      </p:sp>
-      <p:sp>
-        <p:nvSpPr>
-          <p:cNvPr id="20" name="Rectangle 19">
-            <a:extLst>
-              <a:ext uri="{FF2B5EF4-FFF2-40B4-BE49-F238E27FC236}">
-                <a16:creationId xmlns:a16="http://schemas.microsoft.com/office/drawing/2014/main" id="{C0B801A2-5622-4BE8-9AD2-C337A2CD0022}"/>
-              </a:ext>
-              <a:ext uri="{C183D7F6-B498-43B3-948B-1728B52AA6E4}">
-                <adec:decorative xmlns:adec="http://schemas.microsoft.com/office/drawing/2017/decorative" val="1"/>
-              </a:ext>
-            </a:extLst>
-          </p:cNvPr>
-          <p:cNvSpPr>
-            <a:spLocks noGrp="1" noRot="1" noChangeAspect="1" noMove="1" noResize="1" noEditPoints="1" noAdjustHandles="1" noChangeArrowheads="1" noChangeShapeType="1" noTextEdit="1"/>
-          </p:cNvSpPr>
-          <p:nvPr>
-            <p:extLst>
-              <p:ext uri="{386F3935-93C4-4BCD-93E2-E3B085C9AB24}">
-                <p16:designElem xmlns:p16="http://schemas.microsoft.com/office/powerpoint/2015/main" val="1"/>
-              </p:ext>
-            </p:extLst>
-          </p:nvPr>
-        </p:nvSpPr>
-        <p:spPr>
-          <a:xfrm>
-            <a:off x="16" y="0"/>
-            <a:ext cx="4050791" cy="6858000"/>
-          </a:xfrm>
-          <a:prstGeom prst="rect">
-            <a:avLst/>
-          </a:prstGeom>
-          <a:solidFill>
-            <a:schemeClr val="accent2"/>
-          </a:solidFill>
-          <a:ln>
-            <a:noFill/>
-          </a:ln>
-        </p:spPr>
-        <p:style>
-          <a:lnRef idx="2">
-            <a:schemeClr val="accent1">
-              <a:shade val="50000"/>
-            </a:schemeClr>
-          </a:lnRef>
-          <a:fillRef idx="1">
-            <a:schemeClr val="accent1"/>
-          </a:fillRef>
-          <a:effectRef idx="0">
-            <a:schemeClr val="accent1"/>
-          </a:effectRef>
-          <a:fontRef idx="minor">
-            <a:schemeClr val="lt1"/>
-          </a:fontRef>
-        </p:style>
-      </p:sp>
       <p:sp>
         <p:nvSpPr>
           <p:cNvPr id="2" name="Title 1">
@@ -12028,81 +11971,22 @@
         </p:nvSpPr>
         <p:spPr>
           <a:xfrm>
-            <a:off x="492370" y="516835"/>
-            <a:ext cx="3084844" cy="5772840"/>
+            <a:off x="1097280" y="286603"/>
+            <a:ext cx="10058400" cy="1450757"/>
           </a:xfrm>
         </p:spPr>
         <p:txBody>
-          <a:bodyPr anchor="ctr">
+          <a:bodyPr>
             <a:normAutofit/>
           </a:bodyPr>
           <a:lstStyle/>
           <a:p>
             <a:r>
-              <a:rPr lang="en-US" sz="3600">
-                <a:solidFill>
-                  <a:srgbClr val="FFFFFF"/>
-                </a:solidFill>
-              </a:rPr>
+              <a:rPr lang="en-US"/>
               <a:t>Lexical Structures</a:t>
             </a:r>
           </a:p>
         </p:txBody>
-      </p:sp>
-      <p:sp>
-        <p:nvSpPr>
-          <p:cNvPr id="22" name="Rectangle 21">
-            <a:extLst>
-              <a:ext uri="{FF2B5EF4-FFF2-40B4-BE49-F238E27FC236}">
-                <a16:creationId xmlns:a16="http://schemas.microsoft.com/office/drawing/2014/main" id="{B7AF614F-5BC3-4086-99F5-B87C5847A071}"/>
-              </a:ext>
-              <a:ext uri="{C183D7F6-B498-43B3-948B-1728B52AA6E4}">
-                <adec:decorative xmlns:adec="http://schemas.microsoft.com/office/drawing/2017/decorative" val="1"/>
-              </a:ext>
-            </a:extLst>
-          </p:cNvPr>
-          <p:cNvSpPr>
-            <a:spLocks noGrp="1" noRot="1" noChangeAspect="1" noMove="1" noResize="1" noEditPoints="1" noAdjustHandles="1" noChangeArrowheads="1" noChangeShapeType="1" noTextEdit="1"/>
-          </p:cNvSpPr>
-          <p:nvPr>
-            <p:extLst>
-              <p:ext uri="{386F3935-93C4-4BCD-93E2-E3B085C9AB24}">
-                <p16:designElem xmlns:p16="http://schemas.microsoft.com/office/powerpoint/2015/main" val="1"/>
-              </p:ext>
-            </p:extLst>
-          </p:nvPr>
-        </p:nvSpPr>
-        <p:spPr>
-          <a:xfrm>
-            <a:off x="4040071" y="0"/>
-            <a:ext cx="64008" cy="6858000"/>
-          </a:xfrm>
-          <a:prstGeom prst="rect">
-            <a:avLst/>
-          </a:prstGeom>
-          <a:solidFill>
-            <a:schemeClr val="accent1"/>
-          </a:solidFill>
-          <a:ln>
-            <a:noFill/>
-          </a:ln>
-        </p:spPr>
-        <p:style>
-          <a:lnRef idx="2">
-            <a:schemeClr val="accent1">
-              <a:shade val="50000"/>
-            </a:schemeClr>
-          </a:lnRef>
-          <a:fillRef idx="1">
-            <a:schemeClr val="accent1"/>
-          </a:fillRef>
-          <a:effectRef idx="0">
-            <a:schemeClr val="accent1"/>
-          </a:effectRef>
-          <a:fontRef idx="minor">
-            <a:schemeClr val="lt1"/>
-          </a:fontRef>
-        </p:style>
       </p:sp>
       <p:graphicFrame>
         <p:nvGraphicFramePr>
@@ -12120,14 +12004,14 @@
             <p:ph idx="1"/>
             <p:extLst>
               <p:ext uri="{D42A27DB-BD31-4B8C-83A1-F6EECF244321}">
-                <p14:modId xmlns:p14="http://schemas.microsoft.com/office/powerpoint/2010/main" val="478048288"/>
+                <p14:modId xmlns:p14="http://schemas.microsoft.com/office/powerpoint/2010/main" val="778015139"/>
               </p:ext>
             </p:extLst>
           </p:nvPr>
         </p:nvGraphicFramePr>
         <p:xfrm>
-          <a:off x="4741863" y="639763"/>
-          <a:ext cx="6797675" cy="5649912"/>
+          <a:off x="1096963" y="2098515"/>
+          <a:ext cx="10058400" cy="3786080"/>
         </p:xfrm>
         <a:graphic>
           <a:graphicData uri="http://schemas.openxmlformats.org/drawingml/2006/diagram">
@@ -12175,7 +12059,7 @@
       </p:grpSpPr>
       <p:sp useBgFill="1">
         <p:nvSpPr>
-          <p:cNvPr id="8" name="Rectangle 7">
+          <p:cNvPr id="17" name="Rectangle 16">
             <a:extLst>
               <a:ext uri="{FF2B5EF4-FFF2-40B4-BE49-F238E27FC236}">
                 <a16:creationId xmlns:a16="http://schemas.microsoft.com/office/drawing/2014/main" id="{3741B58E-3B65-4A01-A276-975AB2CF8A08}"/>
@@ -12235,7 +12119,7 @@
       </p:sp>
       <p:sp>
         <p:nvSpPr>
-          <p:cNvPr id="10" name="Rectangle 9">
+          <p:cNvPr id="19" name="Rectangle 18">
             <a:extLst>
               <a:ext uri="{FF2B5EF4-FFF2-40B4-BE49-F238E27FC236}">
                 <a16:creationId xmlns:a16="http://schemas.microsoft.com/office/drawing/2014/main" id="{7AAC67C3-831B-4AB1-A259-DFB839CAFAFC}"/>
@@ -12329,7 +12213,7 @@
       </p:sp>
       <p:sp>
         <p:nvSpPr>
-          <p:cNvPr id="12" name="Rectangle 11">
+          <p:cNvPr id="21" name="Rectangle 20">
             <a:extLst>
               <a:ext uri="{FF2B5EF4-FFF2-40B4-BE49-F238E27FC236}">
                 <a16:creationId xmlns:a16="http://schemas.microsoft.com/office/drawing/2014/main" id="{054B3F04-9EAC-45C0-B3CE-0387EEA10A0C}"/>
@@ -12433,6 +12317,487 @@
     <p:extLst>
       <p:ext uri="{BB962C8B-B14F-4D97-AF65-F5344CB8AC3E}">
         <p14:creationId xmlns:p14="http://schemas.microsoft.com/office/powerpoint/2010/main" val="2239298391"/>
+      </p:ext>
+    </p:extLst>
+  </p:cSld>
+  <p:clrMapOvr>
+    <a:masterClrMapping/>
+  </p:clrMapOvr>
+</p:sld>
+</file>
+
+<file path=ppt/slides/slide6.xml><?xml version="1.0" encoding="utf-8"?>
+<p:sld xmlns:a="http://schemas.openxmlformats.org/drawingml/2006/main" xmlns:r="http://schemas.openxmlformats.org/officeDocument/2006/relationships" xmlns:p="http://schemas.openxmlformats.org/presentationml/2006/main">
+  <p:cSld>
+    <p:bg>
+      <p:bgPr>
+        <a:solidFill>
+          <a:schemeClr val="bg1"/>
+        </a:solidFill>
+        <a:effectLst/>
+      </p:bgPr>
+    </p:bg>
+    <p:spTree>
+      <p:nvGrpSpPr>
+        <p:cNvPr id="1" name=""/>
+        <p:cNvGrpSpPr/>
+        <p:nvPr/>
+      </p:nvGrpSpPr>
+      <p:grpSpPr>
+        <a:xfrm>
+          <a:off x="0" y="0"/>
+          <a:ext cx="0" cy="0"/>
+          <a:chOff x="0" y="0"/>
+          <a:chExt cx="0" cy="0"/>
+        </a:xfrm>
+      </p:grpSpPr>
+      <p:sp useBgFill="1">
+        <p:nvSpPr>
+          <p:cNvPr id="8" name="Rectangle 7">
+            <a:extLst>
+              <a:ext uri="{FF2B5EF4-FFF2-40B4-BE49-F238E27FC236}">
+                <a16:creationId xmlns:a16="http://schemas.microsoft.com/office/drawing/2014/main" id="{3741B58E-3B65-4A01-A276-975AB2CF8A08}"/>
+              </a:ext>
+              <a:ext uri="{C183D7F6-B498-43B3-948B-1728B52AA6E4}">
+                <adec:decorative xmlns:adec="http://schemas.microsoft.com/office/drawing/2017/decorative" val="1"/>
+              </a:ext>
+            </a:extLst>
+          </p:cNvPr>
+          <p:cNvSpPr>
+            <a:spLocks noGrp="1" noRot="1" noChangeAspect="1" noMove="1" noResize="1" noEditPoints="1" noAdjustHandles="1" noChangeArrowheads="1" noChangeShapeType="1" noTextEdit="1"/>
+          </p:cNvSpPr>
+          <p:nvPr>
+            <p:extLst>
+              <p:ext uri="{386F3935-93C4-4BCD-93E2-E3B085C9AB24}">
+                <p16:designElem xmlns:p16="http://schemas.microsoft.com/office/powerpoint/2015/main" val="1"/>
+              </p:ext>
+            </p:extLst>
+          </p:nvPr>
+        </p:nvSpPr>
+        <p:spPr>
+          <a:xfrm>
+            <a:off x="0" y="0"/>
+            <a:ext cx="12186315" cy="6858000"/>
+          </a:xfrm>
+          <a:prstGeom prst="rect">
+            <a:avLst/>
+          </a:prstGeom>
+          <a:ln>
+            <a:noFill/>
+          </a:ln>
+        </p:spPr>
+        <p:style>
+          <a:lnRef idx="2">
+            <a:schemeClr val="accent6">
+              <a:shade val="50000"/>
+            </a:schemeClr>
+          </a:lnRef>
+          <a:fillRef idx="1001">
+            <a:schemeClr val="lt1"/>
+          </a:fillRef>
+          <a:effectRef idx="0">
+            <a:schemeClr val="accent6"/>
+          </a:effectRef>
+          <a:fontRef idx="minor">
+            <a:schemeClr val="lt1"/>
+          </a:fontRef>
+        </p:style>
+        <p:txBody>
+          <a:bodyPr rtlCol="0" anchor="ctr"/>
+          <a:lstStyle/>
+          <a:p>
+            <a:pPr algn="ctr"/>
+            <a:endParaRPr lang="en-US"/>
+          </a:p>
+        </p:txBody>
+      </p:sp>
+      <p:sp>
+        <p:nvSpPr>
+          <p:cNvPr id="10" name="Rectangle 9">
+            <a:extLst>
+              <a:ext uri="{FF2B5EF4-FFF2-40B4-BE49-F238E27FC236}">
+                <a16:creationId xmlns:a16="http://schemas.microsoft.com/office/drawing/2014/main" id="{7AAC67C3-831B-4AB1-A259-DFB839CAFAFC}"/>
+              </a:ext>
+              <a:ext uri="{C183D7F6-B498-43B3-948B-1728B52AA6E4}">
+                <adec:decorative xmlns:adec="http://schemas.microsoft.com/office/drawing/2017/decorative" val="1"/>
+              </a:ext>
+            </a:extLst>
+          </p:cNvPr>
+          <p:cNvSpPr>
+            <a:spLocks noGrp="1" noRot="1" noChangeAspect="1" noMove="1" noResize="1" noEditPoints="1" noAdjustHandles="1" noChangeArrowheads="1" noChangeShapeType="1" noTextEdit="1"/>
+          </p:cNvSpPr>
+          <p:nvPr>
+            <p:extLst>
+              <p:ext uri="{386F3935-93C4-4BCD-93E2-E3B085C9AB24}">
+                <p16:designElem xmlns:p16="http://schemas.microsoft.com/office/powerpoint/2015/main" val="1"/>
+              </p:ext>
+            </p:extLst>
+          </p:nvPr>
+        </p:nvSpPr>
+        <p:spPr>
+          <a:xfrm>
+            <a:off x="16" y="0"/>
+            <a:ext cx="4050791" cy="6858000"/>
+          </a:xfrm>
+          <a:prstGeom prst="rect">
+            <a:avLst/>
+          </a:prstGeom>
+          <a:solidFill>
+            <a:schemeClr val="accent2"/>
+          </a:solidFill>
+          <a:ln>
+            <a:noFill/>
+          </a:ln>
+        </p:spPr>
+        <p:style>
+          <a:lnRef idx="2">
+            <a:schemeClr val="accent1">
+              <a:shade val="50000"/>
+            </a:schemeClr>
+          </a:lnRef>
+          <a:fillRef idx="1">
+            <a:schemeClr val="accent1"/>
+          </a:fillRef>
+          <a:effectRef idx="0">
+            <a:schemeClr val="accent1"/>
+          </a:effectRef>
+          <a:fontRef idx="minor">
+            <a:schemeClr val="lt1"/>
+          </a:fontRef>
+        </p:style>
+      </p:sp>
+      <p:sp>
+        <p:nvSpPr>
+          <p:cNvPr id="2" name="Title 1">
+            <a:extLst>
+              <a:ext uri="{FF2B5EF4-FFF2-40B4-BE49-F238E27FC236}">
+                <a16:creationId xmlns:a16="http://schemas.microsoft.com/office/drawing/2014/main" id="{8A404837-E3FA-43EA-8907-40B443810323}"/>
+              </a:ext>
+            </a:extLst>
+          </p:cNvPr>
+          <p:cNvSpPr>
+            <a:spLocks noGrp="1"/>
+          </p:cNvSpPr>
+          <p:nvPr>
+            <p:ph type="title"/>
+          </p:nvPr>
+        </p:nvSpPr>
+        <p:spPr>
+          <a:xfrm>
+            <a:off x="492370" y="605896"/>
+            <a:ext cx="3084844" cy="5646208"/>
+          </a:xfrm>
+        </p:spPr>
+        <p:txBody>
+          <a:bodyPr anchor="ctr">
+            <a:normAutofit/>
+          </a:bodyPr>
+          <a:lstStyle/>
+          <a:p>
+            <a:r>
+              <a:rPr lang="en-US" sz="3600">
+                <a:solidFill>
+                  <a:srgbClr val="FFFFFF"/>
+                </a:solidFill>
+              </a:rPr>
+              <a:t>Case Sensitivity</a:t>
+            </a:r>
+          </a:p>
+        </p:txBody>
+      </p:sp>
+      <p:sp>
+        <p:nvSpPr>
+          <p:cNvPr id="12" name="Rectangle 11">
+            <a:extLst>
+              <a:ext uri="{FF2B5EF4-FFF2-40B4-BE49-F238E27FC236}">
+                <a16:creationId xmlns:a16="http://schemas.microsoft.com/office/drawing/2014/main" id="{054B3F04-9EAC-45C0-B3CE-0387EEA10A0C}"/>
+              </a:ext>
+              <a:ext uri="{C183D7F6-B498-43B3-948B-1728B52AA6E4}">
+                <adec:decorative xmlns:adec="http://schemas.microsoft.com/office/drawing/2017/decorative" val="1"/>
+              </a:ext>
+            </a:extLst>
+          </p:cNvPr>
+          <p:cNvSpPr>
+            <a:spLocks noGrp="1" noRot="1" noChangeAspect="1" noMove="1" noResize="1" noEditPoints="1" noAdjustHandles="1" noChangeArrowheads="1" noChangeShapeType="1" noTextEdit="1"/>
+          </p:cNvSpPr>
+          <p:nvPr>
+            <p:extLst>
+              <p:ext uri="{386F3935-93C4-4BCD-93E2-E3B085C9AB24}">
+                <p16:designElem xmlns:p16="http://schemas.microsoft.com/office/powerpoint/2015/main" val="1"/>
+              </p:ext>
+            </p:extLst>
+          </p:nvPr>
+        </p:nvSpPr>
+        <p:spPr>
+          <a:xfrm>
+            <a:off x="4040071" y="0"/>
+            <a:ext cx="64008" cy="6858000"/>
+          </a:xfrm>
+          <a:prstGeom prst="rect">
+            <a:avLst/>
+          </a:prstGeom>
+          <a:solidFill>
+            <a:schemeClr val="accent1"/>
+          </a:solidFill>
+          <a:ln>
+            <a:noFill/>
+          </a:ln>
+        </p:spPr>
+        <p:style>
+          <a:lnRef idx="2">
+            <a:schemeClr val="accent1">
+              <a:shade val="50000"/>
+            </a:schemeClr>
+          </a:lnRef>
+          <a:fillRef idx="1">
+            <a:schemeClr val="accent1"/>
+          </a:fillRef>
+          <a:effectRef idx="0">
+            <a:schemeClr val="accent1"/>
+          </a:effectRef>
+          <a:fontRef idx="minor">
+            <a:schemeClr val="lt1"/>
+          </a:fontRef>
+        </p:style>
+      </p:sp>
+      <p:sp>
+        <p:nvSpPr>
+          <p:cNvPr id="3" name="Content Placeholder 2">
+            <a:extLst>
+              <a:ext uri="{FF2B5EF4-FFF2-40B4-BE49-F238E27FC236}">
+                <a16:creationId xmlns:a16="http://schemas.microsoft.com/office/drawing/2014/main" id="{6563B07D-D020-428F-85F5-BB54CDABE464}"/>
+              </a:ext>
+            </a:extLst>
+          </p:cNvPr>
+          <p:cNvSpPr>
+            <a:spLocks noGrp="1"/>
+          </p:cNvSpPr>
+          <p:nvPr>
+            <p:ph idx="1"/>
+          </p:nvPr>
+        </p:nvSpPr>
+        <p:spPr>
+          <a:xfrm>
+            <a:off x="4742016" y="605896"/>
+            <a:ext cx="6413663" cy="5646208"/>
+          </a:xfrm>
+        </p:spPr>
+        <p:txBody>
+          <a:bodyPr anchor="ctr">
+            <a:normAutofit/>
+          </a:bodyPr>
+          <a:lstStyle/>
+          <a:p>
+            <a:r>
+              <a:rPr lang="en-US" dirty="0"/>
+              <a:t>Naming language identifiers (keywords, variables, function names, objects, primitives etc.) must be consistent.</a:t>
+            </a:r>
+          </a:p>
+          <a:p>
+            <a:pPr lvl="1"/>
+            <a:r>
+              <a:rPr lang="en-US" dirty="0">
+                <a:solidFill>
+                  <a:srgbClr val="FF0000"/>
+                </a:solidFill>
+                <a:latin typeface="Consolas" panose="020B0609020204030204" pitchFamily="49" charset="0"/>
+              </a:rPr>
+              <a:t>if</a:t>
+            </a:r>
+            <a:r>
+              <a:rPr lang="en-US" dirty="0"/>
+              <a:t> is different than </a:t>
+            </a:r>
+            <a:r>
+              <a:rPr lang="en-US" dirty="0">
+                <a:solidFill>
+                  <a:srgbClr val="FF0000"/>
+                </a:solidFill>
+                <a:latin typeface="Consolas" panose="020B0609020204030204" pitchFamily="49" charset="0"/>
+              </a:rPr>
+              <a:t>If</a:t>
+            </a:r>
+            <a:r>
+              <a:rPr lang="en-US" dirty="0">
+                <a:latin typeface="Consolas" panose="020B0609020204030204" pitchFamily="49" charset="0"/>
+              </a:rPr>
+              <a:t> </a:t>
+            </a:r>
+            <a:r>
+              <a:rPr lang="en-US" dirty="0"/>
+              <a:t>and </a:t>
+            </a:r>
+            <a:r>
+              <a:rPr lang="en-US" dirty="0">
+                <a:solidFill>
+                  <a:srgbClr val="FF0000"/>
+                </a:solidFill>
+                <a:latin typeface="Consolas" panose="020B0609020204030204" pitchFamily="49" charset="0"/>
+              </a:rPr>
+              <a:t>IF</a:t>
+            </a:r>
+          </a:p>
+          <a:p>
+            <a:pPr lvl="1"/>
+            <a:r>
+              <a:rPr lang="en-US" dirty="0" err="1">
+                <a:solidFill>
+                  <a:srgbClr val="FF0000"/>
+                </a:solidFill>
+                <a:latin typeface="Consolas" panose="020B0609020204030204" pitchFamily="49" charset="0"/>
+              </a:rPr>
+              <a:t>my_variable</a:t>
+            </a:r>
+            <a:r>
+              <a:rPr lang="en-US" dirty="0">
+                <a:solidFill>
+                  <a:srgbClr val="FF0000"/>
+                </a:solidFill>
+              </a:rPr>
+              <a:t> </a:t>
+            </a:r>
+            <a:r>
+              <a:rPr lang="en-US" dirty="0"/>
+              <a:t>is different than </a:t>
+            </a:r>
+            <a:r>
+              <a:rPr lang="en-US" dirty="0" err="1">
+                <a:latin typeface="Consolas" panose="020B0609020204030204" pitchFamily="49" charset="0"/>
+              </a:rPr>
+              <a:t>My_variable</a:t>
+            </a:r>
+            <a:r>
+              <a:rPr lang="en-US" dirty="0">
+                <a:latin typeface="Consolas" panose="020B0609020204030204" pitchFamily="49" charset="0"/>
+              </a:rPr>
+              <a:t> </a:t>
+            </a:r>
+            <a:r>
+              <a:rPr lang="en-US" dirty="0"/>
+              <a:t>and </a:t>
+            </a:r>
+            <a:r>
+              <a:rPr lang="en-US" dirty="0" err="1">
+                <a:solidFill>
+                  <a:srgbClr val="FF0000"/>
+                </a:solidFill>
+                <a:latin typeface="Consolas" panose="020B0609020204030204" pitchFamily="49" charset="0"/>
+              </a:rPr>
+              <a:t>myVariable</a:t>
+            </a:r>
+            <a:endParaRPr lang="en-US" dirty="0">
+              <a:solidFill>
+                <a:srgbClr val="FF0000"/>
+              </a:solidFill>
+              <a:latin typeface="Consolas" panose="020B0609020204030204" pitchFamily="49" charset="0"/>
+            </a:endParaRPr>
+          </a:p>
+          <a:p>
+            <a:pPr lvl="1"/>
+            <a:r>
+              <a:rPr lang="en-US" dirty="0" err="1">
+                <a:solidFill>
+                  <a:srgbClr val="FF0000"/>
+                </a:solidFill>
+                <a:latin typeface="Consolas" panose="020B0609020204030204" pitchFamily="49" charset="0"/>
+              </a:rPr>
+              <a:t>my_function</a:t>
+            </a:r>
+            <a:r>
+              <a:rPr lang="en-US" dirty="0">
+                <a:solidFill>
+                  <a:srgbClr val="FF0000"/>
+                </a:solidFill>
+                <a:latin typeface="Consolas" panose="020B0609020204030204" pitchFamily="49" charset="0"/>
+              </a:rPr>
+              <a:t>()</a:t>
+            </a:r>
+            <a:r>
+              <a:rPr lang="en-US" dirty="0">
+                <a:solidFill>
+                  <a:srgbClr val="FF0000"/>
+                </a:solidFill>
+              </a:rPr>
+              <a:t> </a:t>
+            </a:r>
+            <a:r>
+              <a:rPr lang="en-US" dirty="0"/>
+              <a:t>is different than </a:t>
+            </a:r>
+            <a:r>
+              <a:rPr lang="en-US" dirty="0" err="1">
+                <a:solidFill>
+                  <a:srgbClr val="FF0000"/>
+                </a:solidFill>
+                <a:latin typeface="Consolas" panose="020B0609020204030204" pitchFamily="49" charset="0"/>
+              </a:rPr>
+              <a:t>my_Function</a:t>
+            </a:r>
+            <a:r>
+              <a:rPr lang="en-US" dirty="0">
+                <a:solidFill>
+                  <a:srgbClr val="FF0000"/>
+                </a:solidFill>
+                <a:latin typeface="Consolas" panose="020B0609020204030204" pitchFamily="49" charset="0"/>
+              </a:rPr>
+              <a:t>()</a:t>
+            </a:r>
+            <a:r>
+              <a:rPr lang="en-US" dirty="0">
+                <a:solidFill>
+                  <a:srgbClr val="FF0000"/>
+                </a:solidFill>
+              </a:rPr>
+              <a:t> </a:t>
+            </a:r>
+            <a:r>
+              <a:rPr lang="en-US" dirty="0"/>
+              <a:t>and </a:t>
+            </a:r>
+            <a:r>
+              <a:rPr lang="en-US" dirty="0" err="1">
+                <a:solidFill>
+                  <a:srgbClr val="FF0000"/>
+                </a:solidFill>
+                <a:latin typeface="Consolas" panose="020B0609020204030204" pitchFamily="49" charset="0"/>
+              </a:rPr>
+              <a:t>myFunction</a:t>
+            </a:r>
+            <a:r>
+              <a:rPr lang="en-US" dirty="0">
+                <a:solidFill>
+                  <a:srgbClr val="FF0000"/>
+                </a:solidFill>
+                <a:latin typeface="Consolas" panose="020B0609020204030204" pitchFamily="49" charset="0"/>
+              </a:rPr>
+              <a:t>()</a:t>
+            </a:r>
+            <a:r>
+              <a:rPr lang="en-US" dirty="0">
+                <a:solidFill>
+                  <a:srgbClr val="FF0000"/>
+                </a:solidFill>
+              </a:rPr>
+              <a:t> </a:t>
+            </a:r>
+            <a:endParaRPr lang="en-US" dirty="0">
+              <a:solidFill>
+                <a:srgbClr val="FF0000"/>
+              </a:solidFill>
+              <a:latin typeface="Consolas" panose="020B0609020204030204" pitchFamily="49" charset="0"/>
+            </a:endParaRPr>
+          </a:p>
+          <a:p>
+            <a:endParaRPr lang="en-US" dirty="0">
+              <a:latin typeface="Consolas" panose="020B0609020204030204" pitchFamily="49" charset="0"/>
+            </a:endParaRPr>
+          </a:p>
+        </p:txBody>
+      </p:sp>
+    </p:spTree>
+    <p:extLst>
+      <p:ext uri="{BB962C8B-B14F-4D97-AF65-F5344CB8AC3E}">
+        <p14:creationId xmlns:p14="http://schemas.microsoft.com/office/powerpoint/2010/main" val="245026859"/>
       </p:ext>
     </p:extLst>
   </p:cSld>
